--- a/ppt/megabox2019.pptx
+++ b/ppt/megabox2019.pptx
@@ -6,6 +6,12 @@
   </p:sldMasterIdLst>
   <p:sldIdLst>
     <p:sldId id="256" r:id="rId2"/>
+    <p:sldId id="257" r:id="rId3"/>
+    <p:sldId id="258" r:id="rId4"/>
+    <p:sldId id="259" r:id="rId5"/>
+    <p:sldId id="261" r:id="rId6"/>
+    <p:sldId id="260" r:id="rId7"/>
+    <p:sldId id="262" r:id="rId8"/>
   </p:sldIdLst>
   <p:sldSz cx="12192000" cy="6858000"/>
   <p:notesSz cx="6858000" cy="9144000"/>
@@ -104,6 +110,11 @@
       </a:defRPr>
     </a:lvl9pPr>
   </p:defaultTextStyle>
+  <p:extLst>
+    <p:ext uri="{EFAFB233-063F-42B5-8137-9DF3F51BA10A}">
+      <p15:sldGuideLst xmlns:p15="http://schemas.microsoft.com/office/powerpoint/2012/main"/>
+    </p:ext>
+  </p:extLst>
 </p:presentation>
 </file>
 
@@ -3420,6 +3431,1341 @@
 </p:sld>
 </file>
 
+<file path=ppt/slides/slide2.xml><?xml version="1.0" encoding="utf-8"?>
+<p:sld xmlns:a="http://schemas.openxmlformats.org/drawingml/2006/main" xmlns:r="http://schemas.openxmlformats.org/officeDocument/2006/relationships" xmlns:p="http://schemas.openxmlformats.org/presentationml/2006/main">
+  <p:cSld>
+    <p:spTree>
+      <p:nvGrpSpPr>
+        <p:cNvPr id="1" name=""/>
+        <p:cNvGrpSpPr/>
+        <p:nvPr/>
+      </p:nvGrpSpPr>
+      <p:grpSpPr>
+        <a:xfrm>
+          <a:off x="0" y="0"/>
+          <a:ext cx="0" cy="0"/>
+          <a:chOff x="0" y="0"/>
+          <a:chExt cx="0" cy="0"/>
+        </a:xfrm>
+      </p:grpSpPr>
+      <p:sp>
+        <p:nvSpPr>
+          <p:cNvPr id="2" name="제목 1">
+            <a:extLst>
+              <a:ext uri="{FF2B5EF4-FFF2-40B4-BE49-F238E27FC236}">
+                <a16:creationId xmlns:a16="http://schemas.microsoft.com/office/drawing/2014/main" id="{B146C29F-DD1A-409F-AD70-8BB30B407742}"/>
+              </a:ext>
+            </a:extLst>
+          </p:cNvPr>
+          <p:cNvSpPr>
+            <a:spLocks noGrp="1"/>
+          </p:cNvSpPr>
+          <p:nvPr>
+            <p:ph type="title"/>
+          </p:nvPr>
+        </p:nvSpPr>
+        <p:spPr>
+          <a:xfrm>
+            <a:off x="838200" y="365125"/>
+            <a:ext cx="5605130" cy="591805"/>
+          </a:xfrm>
+        </p:spPr>
+        <p:txBody>
+          <a:bodyPr>
+            <a:normAutofit/>
+          </a:bodyPr>
+          <a:lstStyle/>
+          <a:p>
+            <a:r>
+              <a:rPr lang="en-US" altLang="ko-KR" sz="2000" dirty="0" err="1"/>
+              <a:t>Header+banner_section</a:t>
+            </a:r>
+            <a:endParaRPr lang="ko-KR" altLang="en-US" sz="2000" dirty="0"/>
+          </a:p>
+        </p:txBody>
+      </p:sp>
+      <p:pic>
+        <p:nvPicPr>
+          <p:cNvPr id="5" name="내용 개체 틀 4">
+            <a:extLst>
+              <a:ext uri="{FF2B5EF4-FFF2-40B4-BE49-F238E27FC236}">
+                <a16:creationId xmlns:a16="http://schemas.microsoft.com/office/drawing/2014/main" id="{3D52984C-6903-4F0E-BB80-5C0026E90FBB}"/>
+              </a:ext>
+            </a:extLst>
+          </p:cNvPr>
+          <p:cNvPicPr>
+            <a:picLocks noGrp="1" noChangeAspect="1"/>
+          </p:cNvPicPr>
+          <p:nvPr>
+            <p:ph idx="1"/>
+          </p:nvPr>
+        </p:nvPicPr>
+        <p:blipFill>
+          <a:blip r:embed="rId2">
+            <a:extLst>
+              <a:ext uri="{28A0092B-C50C-407E-A947-70E740481C1C}">
+                <a14:useLocalDpi xmlns:a14="http://schemas.microsoft.com/office/drawing/2010/main" val="0"/>
+              </a:ext>
+            </a:extLst>
+          </a:blip>
+          <a:stretch>
+            <a:fillRect/>
+          </a:stretch>
+        </p:blipFill>
+        <p:spPr>
+          <a:xfrm>
+            <a:off x="838200" y="1147996"/>
+            <a:ext cx="10515600" cy="3668874"/>
+          </a:xfrm>
+        </p:spPr>
+      </p:pic>
+      <p:sp>
+        <p:nvSpPr>
+          <p:cNvPr id="6" name="TextBox 5">
+            <a:extLst>
+              <a:ext uri="{FF2B5EF4-FFF2-40B4-BE49-F238E27FC236}">
+                <a16:creationId xmlns:a16="http://schemas.microsoft.com/office/drawing/2014/main" id="{82C12628-CD68-47C3-8DCD-837A4C2E6591}"/>
+              </a:ext>
+            </a:extLst>
+          </p:cNvPr>
+          <p:cNvSpPr txBox="1"/>
+          <p:nvPr/>
+        </p:nvSpPr>
+        <p:spPr>
+          <a:xfrm>
+            <a:off x="820147" y="4912241"/>
+            <a:ext cx="10533653" cy="1815882"/>
+          </a:xfrm>
+          <a:prstGeom prst="rect">
+            <a:avLst/>
+          </a:prstGeom>
+          <a:noFill/>
+        </p:spPr>
+        <p:txBody>
+          <a:bodyPr wrap="none" rtlCol="0">
+            <a:spAutoFit/>
+          </a:bodyPr>
+          <a:lstStyle/>
+          <a:p>
+            <a:r>
+              <a:rPr lang="ko-KR" altLang="en-US" sz="1600" dirty="0"/>
+              <a:t> 우선 전체 태그 여백 초기화를 주면서 헤더부분에 왼쪽 </a:t>
+            </a:r>
+            <a:r>
+              <a:rPr lang="en-US" altLang="ko-KR" sz="1600" dirty="0" err="1"/>
+              <a:t>megabox</a:t>
+            </a:r>
+            <a:r>
+              <a:rPr lang="ko-KR" altLang="en-US" sz="1600" dirty="0"/>
+              <a:t>부분이랑 오른쪽 영화 메뉴부분으로 나눴었고 </a:t>
+            </a:r>
+            <a:endParaRPr lang="en-US" altLang="ko-KR" sz="1600" dirty="0"/>
+          </a:p>
+          <a:p>
+            <a:r>
+              <a:rPr lang="ko-KR" altLang="en-US" sz="1600" dirty="0"/>
+              <a:t>왼쪽부분을 </a:t>
+            </a:r>
+            <a:r>
+              <a:rPr lang="en-US" altLang="ko-KR" sz="1600" dirty="0" err="1"/>
+              <a:t>img</a:t>
+            </a:r>
+            <a:r>
+              <a:rPr lang="ko-KR" altLang="en-US" sz="1600" dirty="0"/>
+              <a:t>태그로 오른쪽 부분을 </a:t>
+            </a:r>
+            <a:r>
+              <a:rPr lang="en-US" altLang="ko-KR" sz="1600" dirty="0"/>
+              <a:t>ul&gt;li</a:t>
+            </a:r>
+            <a:r>
+              <a:rPr lang="ko-KR" altLang="en-US" sz="1600" dirty="0" err="1"/>
+              <a:t>를</a:t>
+            </a:r>
+            <a:r>
+              <a:rPr lang="ko-KR" altLang="en-US" sz="1600" dirty="0"/>
+              <a:t> 사용해서 각 항목별로 만들었습니다</a:t>
+            </a:r>
+            <a:r>
+              <a:rPr lang="en-US" altLang="ko-KR" sz="1600" dirty="0"/>
+              <a:t>.</a:t>
+            </a:r>
+            <a:r>
+              <a:rPr lang="ko-KR" altLang="en-US" sz="1600" dirty="0"/>
+              <a:t> </a:t>
+            </a:r>
+            <a:endParaRPr lang="en-US" altLang="ko-KR" sz="1600" dirty="0"/>
+          </a:p>
+          <a:p>
+            <a:endParaRPr lang="en-US" altLang="ko-KR" sz="1600" dirty="0"/>
+          </a:p>
+          <a:p>
+            <a:r>
+              <a:rPr lang="ko-KR" altLang="en-US" sz="1600" dirty="0"/>
+              <a:t> 배너부분도 배너 위쪽 배너 메뉴를 왼쪽 오른쪽으로 나눴는데 </a:t>
+            </a:r>
+            <a:endParaRPr lang="en-US" altLang="ko-KR" sz="1600" dirty="0"/>
+          </a:p>
+          <a:p>
+            <a:r>
+              <a:rPr lang="ko-KR" altLang="en-US" sz="1600" dirty="0"/>
+              <a:t>왼쪽 부분을 전체메뉴로</a:t>
+            </a:r>
+            <a:r>
+              <a:rPr lang="en-US" altLang="ko-KR" sz="1600" dirty="0"/>
+              <a:t> </a:t>
+            </a:r>
+            <a:r>
+              <a:rPr lang="ko-KR" altLang="en-US" sz="1600" dirty="0"/>
+              <a:t>필름 </a:t>
+            </a:r>
+            <a:r>
+              <a:rPr lang="ko-KR" altLang="en-US" sz="1600" dirty="0" err="1"/>
+              <a:t>소사이어티와</a:t>
+            </a:r>
+            <a:r>
+              <a:rPr lang="ko-KR" altLang="en-US" sz="1600" dirty="0"/>
+              <a:t> 클래식 </a:t>
+            </a:r>
+            <a:r>
+              <a:rPr lang="ko-KR" altLang="en-US" sz="1600" dirty="0" err="1"/>
+              <a:t>소사이어티를</a:t>
+            </a:r>
+            <a:r>
+              <a:rPr lang="ko-KR" altLang="en-US" sz="1600" dirty="0"/>
+              <a:t> 감싸게 만들었고</a:t>
+            </a:r>
+            <a:endParaRPr lang="en-US" altLang="ko-KR" sz="1600" dirty="0"/>
+          </a:p>
+          <a:p>
+            <a:r>
+              <a:rPr lang="ko-KR" altLang="en-US" sz="1600" dirty="0"/>
+              <a:t>오른쪽 부분을 상영시간표와 빠른 예매부분을 포함하게 만들었습니다</a:t>
+            </a:r>
+            <a:r>
+              <a:rPr lang="en-US" altLang="ko-KR" sz="1600" dirty="0"/>
+              <a:t>. </a:t>
+            </a:r>
+            <a:r>
+              <a:rPr lang="ko-KR" altLang="en-US" sz="1600" dirty="0"/>
+              <a:t>그리고 중앙 </a:t>
+            </a:r>
+            <a:r>
+              <a:rPr lang="ko-KR" altLang="en-US" sz="1600" dirty="0" err="1"/>
+              <a:t>로우부분에</a:t>
+            </a:r>
+            <a:r>
+              <a:rPr lang="ko-KR" altLang="en-US" sz="1600" dirty="0"/>
+              <a:t> 마우스 드래그로 </a:t>
+            </a:r>
+            <a:endParaRPr lang="en-US" altLang="ko-KR" sz="1600" dirty="0"/>
+          </a:p>
+          <a:p>
+            <a:r>
+              <a:rPr lang="ko-KR" altLang="en-US" sz="1600" dirty="0"/>
+              <a:t>끌어 </a:t>
+            </a:r>
+            <a:r>
+              <a:rPr lang="ko-KR" altLang="en-US" sz="1600" dirty="0" err="1"/>
+              <a:t>당길수</a:t>
+            </a:r>
+            <a:r>
+              <a:rPr lang="ko-KR" altLang="en-US" sz="1600" dirty="0"/>
+              <a:t> 있게끔 </a:t>
+            </a:r>
+            <a:r>
+              <a:rPr lang="en-US" altLang="ko-KR" sz="1600" dirty="0"/>
+              <a:t>swiper.js </a:t>
+            </a:r>
+            <a:r>
+              <a:rPr lang="ko-KR" altLang="en-US" sz="1600" dirty="0"/>
+              <a:t>자바스크립트 코드를 사용해서 만들었습니다</a:t>
+            </a:r>
+            <a:r>
+              <a:rPr lang="en-US" altLang="ko-KR" sz="1600" dirty="0"/>
+              <a:t>.</a:t>
+            </a:r>
+            <a:endParaRPr lang="ko-KR" altLang="en-US" sz="1600" dirty="0"/>
+          </a:p>
+        </p:txBody>
+      </p:sp>
+    </p:spTree>
+    <p:extLst>
+      <p:ext uri="{BB962C8B-B14F-4D97-AF65-F5344CB8AC3E}">
+        <p14:creationId xmlns:p14="http://schemas.microsoft.com/office/powerpoint/2010/main" val="4103143997"/>
+      </p:ext>
+    </p:extLst>
+  </p:cSld>
+  <p:clrMapOvr>
+    <a:masterClrMapping/>
+  </p:clrMapOvr>
+</p:sld>
+</file>
+
+<file path=ppt/slides/slide3.xml><?xml version="1.0" encoding="utf-8"?>
+<p:sld xmlns:a="http://schemas.openxmlformats.org/drawingml/2006/main" xmlns:r="http://schemas.openxmlformats.org/officeDocument/2006/relationships" xmlns:p="http://schemas.openxmlformats.org/presentationml/2006/main">
+  <p:cSld>
+    <p:spTree>
+      <p:nvGrpSpPr>
+        <p:cNvPr id="1" name=""/>
+        <p:cNvGrpSpPr/>
+        <p:nvPr/>
+      </p:nvGrpSpPr>
+      <p:grpSpPr>
+        <a:xfrm>
+          <a:off x="0" y="0"/>
+          <a:ext cx="0" cy="0"/>
+          <a:chOff x="0" y="0"/>
+          <a:chExt cx="0" cy="0"/>
+        </a:xfrm>
+      </p:grpSpPr>
+      <p:pic>
+        <p:nvPicPr>
+          <p:cNvPr id="5" name="내용 개체 틀 4">
+            <a:extLst>
+              <a:ext uri="{FF2B5EF4-FFF2-40B4-BE49-F238E27FC236}">
+                <a16:creationId xmlns:a16="http://schemas.microsoft.com/office/drawing/2014/main" id="{3D743948-34CB-4F73-AF00-6C2D2E3E828F}"/>
+              </a:ext>
+            </a:extLst>
+          </p:cNvPr>
+          <p:cNvPicPr>
+            <a:picLocks noGrp="1" noChangeAspect="1"/>
+          </p:cNvPicPr>
+          <p:nvPr>
+            <p:ph idx="1"/>
+          </p:nvPr>
+        </p:nvPicPr>
+        <p:blipFill>
+          <a:blip r:embed="rId2">
+            <a:extLst>
+              <a:ext uri="{28A0092B-C50C-407E-A947-70E740481C1C}">
+                <a14:useLocalDpi xmlns:a14="http://schemas.microsoft.com/office/drawing/2010/main" val="0"/>
+              </a:ext>
+            </a:extLst>
+          </a:blip>
+          <a:stretch>
+            <a:fillRect/>
+          </a:stretch>
+        </p:blipFill>
+        <p:spPr>
+          <a:xfrm>
+            <a:off x="1518681" y="1116419"/>
+            <a:ext cx="9154638" cy="4351338"/>
+          </a:xfrm>
+        </p:spPr>
+      </p:pic>
+      <p:sp>
+        <p:nvSpPr>
+          <p:cNvPr id="9" name="제목 1">
+            <a:extLst>
+              <a:ext uri="{FF2B5EF4-FFF2-40B4-BE49-F238E27FC236}">
+                <a16:creationId xmlns:a16="http://schemas.microsoft.com/office/drawing/2014/main" id="{83945C83-3C70-4681-BAF3-A308B7C5B32B}"/>
+              </a:ext>
+            </a:extLst>
+          </p:cNvPr>
+          <p:cNvSpPr>
+            <a:spLocks noGrp="1"/>
+          </p:cNvSpPr>
+          <p:nvPr>
+            <p:ph type="title"/>
+          </p:nvPr>
+        </p:nvSpPr>
+        <p:spPr>
+          <a:xfrm>
+            <a:off x="838200" y="365125"/>
+            <a:ext cx="1851837" cy="591805"/>
+          </a:xfrm>
+        </p:spPr>
+        <p:txBody>
+          <a:bodyPr>
+            <a:normAutofit/>
+          </a:bodyPr>
+          <a:lstStyle/>
+          <a:p>
+            <a:r>
+              <a:rPr lang="en-US" altLang="ko-KR" sz="2000" dirty="0" err="1"/>
+              <a:t>movie_section</a:t>
+            </a:r>
+            <a:endParaRPr lang="ko-KR" altLang="en-US" sz="2000" dirty="0"/>
+          </a:p>
+        </p:txBody>
+      </p:sp>
+      <p:sp>
+        <p:nvSpPr>
+          <p:cNvPr id="12" name="TextBox 11">
+            <a:extLst>
+              <a:ext uri="{FF2B5EF4-FFF2-40B4-BE49-F238E27FC236}">
+                <a16:creationId xmlns:a16="http://schemas.microsoft.com/office/drawing/2014/main" id="{4E2D0150-940D-4D2F-BD5B-0AC272EF464D}"/>
+              </a:ext>
+            </a:extLst>
+          </p:cNvPr>
+          <p:cNvSpPr txBox="1"/>
+          <p:nvPr/>
+        </p:nvSpPr>
+        <p:spPr>
+          <a:xfrm>
+            <a:off x="820147" y="4912241"/>
+            <a:ext cx="8977138" cy="1323439"/>
+          </a:xfrm>
+          <a:prstGeom prst="rect">
+            <a:avLst/>
+          </a:prstGeom>
+          <a:noFill/>
+        </p:spPr>
+        <p:txBody>
+          <a:bodyPr wrap="none" rtlCol="0">
+            <a:spAutoFit/>
+          </a:bodyPr>
+          <a:lstStyle/>
+          <a:p>
+            <a:r>
+              <a:rPr lang="ko-KR" altLang="en-US" sz="1600" dirty="0"/>
+              <a:t>윗부분은 무비</a:t>
+            </a:r>
+            <a:r>
+              <a:rPr lang="en-US" altLang="ko-KR" sz="1600" dirty="0"/>
+              <a:t>_</a:t>
+            </a:r>
+            <a:r>
+              <a:rPr lang="ko-KR" altLang="en-US" sz="1600" dirty="0"/>
+              <a:t>타이틀과 밑부분이 무비</a:t>
+            </a:r>
+            <a:r>
+              <a:rPr lang="en-US" altLang="ko-KR" sz="1600" dirty="0"/>
+              <a:t>_</a:t>
+            </a:r>
+            <a:r>
+              <a:rPr lang="ko-KR" altLang="en-US" sz="1600" dirty="0"/>
+              <a:t>차트로 나누면서 작업을 했습니다</a:t>
+            </a:r>
+            <a:r>
+              <a:rPr lang="en-US" altLang="ko-KR" sz="1600" dirty="0"/>
+              <a:t>.</a:t>
+            </a:r>
+          </a:p>
+          <a:p>
+            <a:endParaRPr lang="en-US" altLang="ko-KR" sz="1600" dirty="0"/>
+          </a:p>
+          <a:p>
+            <a:r>
+              <a:rPr lang="ko-KR" altLang="en-US" sz="1600" dirty="0"/>
+              <a:t>무비</a:t>
+            </a:r>
+            <a:r>
+              <a:rPr lang="en-US" altLang="ko-KR" sz="1600" dirty="0"/>
+              <a:t>_</a:t>
+            </a:r>
+            <a:r>
+              <a:rPr lang="ko-KR" altLang="en-US" sz="1600" dirty="0"/>
+              <a:t>타이틀은 </a:t>
+            </a:r>
+            <a:r>
+              <a:rPr lang="en-US" altLang="ko-KR" sz="1600" dirty="0"/>
+              <a:t>4</a:t>
+            </a:r>
+            <a:r>
+              <a:rPr lang="ko-KR" altLang="en-US" sz="1600" dirty="0"/>
+              <a:t>개의 버튼을 클릭하면 </a:t>
+            </a:r>
+            <a:r>
+              <a:rPr lang="ko-KR" altLang="en-US" sz="1600" dirty="0" err="1"/>
+              <a:t>액티브한</a:t>
+            </a:r>
+            <a:r>
+              <a:rPr lang="ko-KR" altLang="en-US" sz="1600" dirty="0"/>
+              <a:t> 각 항목에 맞게 영화가 나오게 작업을 하였었고</a:t>
+            </a:r>
+            <a:endParaRPr lang="en-US" altLang="ko-KR" sz="1600" dirty="0"/>
+          </a:p>
+          <a:p>
+            <a:r>
+              <a:rPr lang="ko-KR" altLang="en-US" sz="1600" dirty="0"/>
+              <a:t>무비</a:t>
+            </a:r>
+            <a:r>
+              <a:rPr lang="en-US" altLang="ko-KR" sz="1600" dirty="0"/>
+              <a:t>_</a:t>
+            </a:r>
+            <a:r>
+              <a:rPr lang="ko-KR" altLang="en-US" sz="1600" dirty="0"/>
+              <a:t>차트부분은 각 영화를 </a:t>
+            </a:r>
+            <a:r>
+              <a:rPr lang="en-US" altLang="ko-KR" sz="1600" dirty="0"/>
+              <a:t>4</a:t>
+            </a:r>
+            <a:r>
+              <a:rPr lang="ko-KR" altLang="en-US" sz="1600" dirty="0"/>
+              <a:t>개씩 보일 수 있도록 나누면서</a:t>
+            </a:r>
+            <a:endParaRPr lang="en-US" altLang="ko-KR" sz="1600" dirty="0"/>
+          </a:p>
+          <a:p>
+            <a:r>
+              <a:rPr lang="en-US" altLang="ko-KR" sz="1600" dirty="0"/>
+              <a:t>swiper.js</a:t>
+            </a:r>
+            <a:r>
+              <a:rPr lang="ko-KR" altLang="en-US" sz="1600" dirty="0"/>
+              <a:t> 플러그인을 사용해서 마우스 드래그로 넘길 수 있게 작업했습니다</a:t>
+            </a:r>
+            <a:r>
+              <a:rPr lang="en-US" altLang="ko-KR" sz="1600" dirty="0"/>
+              <a:t>.</a:t>
+            </a:r>
+            <a:endParaRPr lang="ko-KR" altLang="en-US" sz="1600" dirty="0"/>
+          </a:p>
+        </p:txBody>
+      </p:sp>
+    </p:spTree>
+    <p:extLst>
+      <p:ext uri="{BB962C8B-B14F-4D97-AF65-F5344CB8AC3E}">
+        <p14:creationId xmlns:p14="http://schemas.microsoft.com/office/powerpoint/2010/main" val="1110206035"/>
+      </p:ext>
+    </p:extLst>
+  </p:cSld>
+  <p:clrMapOvr>
+    <a:masterClrMapping/>
+  </p:clrMapOvr>
+</p:sld>
+</file>
+
+<file path=ppt/slides/slide4.xml><?xml version="1.0" encoding="utf-8"?>
+<p:sld xmlns:a="http://schemas.openxmlformats.org/drawingml/2006/main" xmlns:r="http://schemas.openxmlformats.org/officeDocument/2006/relationships" xmlns:p="http://schemas.openxmlformats.org/presentationml/2006/main">
+  <p:cSld>
+    <p:spTree>
+      <p:nvGrpSpPr>
+        <p:cNvPr id="1" name=""/>
+        <p:cNvGrpSpPr/>
+        <p:nvPr/>
+      </p:nvGrpSpPr>
+      <p:grpSpPr>
+        <a:xfrm>
+          <a:off x="0" y="0"/>
+          <a:ext cx="0" cy="0"/>
+          <a:chOff x="0" y="0"/>
+          <a:chExt cx="0" cy="0"/>
+        </a:xfrm>
+      </p:grpSpPr>
+      <p:pic>
+        <p:nvPicPr>
+          <p:cNvPr id="5" name="내용 개체 틀 4">
+            <a:extLst>
+              <a:ext uri="{FF2B5EF4-FFF2-40B4-BE49-F238E27FC236}">
+                <a16:creationId xmlns:a16="http://schemas.microsoft.com/office/drawing/2014/main" id="{0163B4F5-C4AD-40D3-8909-ECBEFE428315}"/>
+              </a:ext>
+            </a:extLst>
+          </p:cNvPr>
+          <p:cNvPicPr>
+            <a:picLocks noGrp="1" noChangeAspect="1"/>
+          </p:cNvPicPr>
+          <p:nvPr>
+            <p:ph idx="1"/>
+          </p:nvPr>
+        </p:nvPicPr>
+        <p:blipFill>
+          <a:blip r:embed="rId2">
+            <a:extLst>
+              <a:ext uri="{28A0092B-C50C-407E-A947-70E740481C1C}">
+                <a14:useLocalDpi xmlns:a14="http://schemas.microsoft.com/office/drawing/2010/main" val="0"/>
+              </a:ext>
+            </a:extLst>
+          </a:blip>
+          <a:stretch>
+            <a:fillRect/>
+          </a:stretch>
+        </p:blipFill>
+        <p:spPr>
+          <a:xfrm>
+            <a:off x="1597716" y="744279"/>
+            <a:ext cx="8549997" cy="4351338"/>
+          </a:xfrm>
+        </p:spPr>
+      </p:pic>
+      <p:sp>
+        <p:nvSpPr>
+          <p:cNvPr id="6" name="제목 1">
+            <a:extLst>
+              <a:ext uri="{FF2B5EF4-FFF2-40B4-BE49-F238E27FC236}">
+                <a16:creationId xmlns:a16="http://schemas.microsoft.com/office/drawing/2014/main" id="{2905F1FA-619C-4560-929A-8DD8F26A11CF}"/>
+              </a:ext>
+            </a:extLst>
+          </p:cNvPr>
+          <p:cNvSpPr>
+            <a:spLocks noGrp="1"/>
+          </p:cNvSpPr>
+          <p:nvPr>
+            <p:ph type="title"/>
+          </p:nvPr>
+        </p:nvSpPr>
+        <p:spPr>
+          <a:xfrm>
+            <a:off x="901996" y="301329"/>
+            <a:ext cx="1851837" cy="591805"/>
+          </a:xfrm>
+        </p:spPr>
+        <p:txBody>
+          <a:bodyPr>
+            <a:normAutofit/>
+          </a:bodyPr>
+          <a:lstStyle/>
+          <a:p>
+            <a:r>
+              <a:rPr lang="en-US" altLang="ko-KR" sz="2000" dirty="0" err="1"/>
+              <a:t>event_section</a:t>
+            </a:r>
+            <a:endParaRPr lang="ko-KR" altLang="en-US" sz="2000" dirty="0"/>
+          </a:p>
+        </p:txBody>
+      </p:sp>
+      <p:sp>
+        <p:nvSpPr>
+          <p:cNvPr id="7" name="TextBox 6">
+            <a:extLst>
+              <a:ext uri="{FF2B5EF4-FFF2-40B4-BE49-F238E27FC236}">
+                <a16:creationId xmlns:a16="http://schemas.microsoft.com/office/drawing/2014/main" id="{D65F7B2D-6C0C-4FB3-9A6B-CDE0AF0E99DE}"/>
+              </a:ext>
+            </a:extLst>
+          </p:cNvPr>
+          <p:cNvSpPr txBox="1"/>
+          <p:nvPr/>
+        </p:nvSpPr>
+        <p:spPr>
+          <a:xfrm>
+            <a:off x="901996" y="5095617"/>
+            <a:ext cx="9769021" cy="338554"/>
+          </a:xfrm>
+          <a:prstGeom prst="rect">
+            <a:avLst/>
+          </a:prstGeom>
+          <a:noFill/>
+        </p:spPr>
+        <p:txBody>
+          <a:bodyPr wrap="none" rtlCol="0">
+            <a:spAutoFit/>
+          </a:bodyPr>
+          <a:lstStyle/>
+          <a:p>
+            <a:r>
+              <a:rPr lang="ko-KR" altLang="en-US" sz="1600" dirty="0"/>
+              <a:t>이벤트</a:t>
+            </a:r>
+            <a:r>
+              <a:rPr lang="en-US" altLang="ko-KR" sz="1600" dirty="0"/>
+              <a:t>_</a:t>
+            </a:r>
+            <a:r>
+              <a:rPr lang="ko-KR" altLang="en-US" sz="1600" dirty="0"/>
+              <a:t>왼쪽</a:t>
+            </a:r>
+            <a:r>
+              <a:rPr lang="en-US" altLang="ko-KR" sz="1600" dirty="0"/>
+              <a:t>, </a:t>
+            </a:r>
+            <a:r>
+              <a:rPr lang="ko-KR" altLang="en-US" sz="1600" dirty="0"/>
+              <a:t>오른쪽 부분으로 전체적으로 나누면서 왼쪽 슬라이더</a:t>
+            </a:r>
+            <a:r>
+              <a:rPr lang="en-US" altLang="ko-KR" sz="1600" dirty="0"/>
+              <a:t>, </a:t>
+            </a:r>
+            <a:r>
+              <a:rPr lang="ko-KR" altLang="en-US" sz="1600" dirty="0"/>
+              <a:t>박스</a:t>
+            </a:r>
+            <a:r>
+              <a:rPr lang="en-US" altLang="ko-KR" sz="1600" dirty="0"/>
+              <a:t>1,2 </a:t>
+            </a:r>
+            <a:r>
+              <a:rPr lang="ko-KR" altLang="en-US" sz="1600" dirty="0"/>
+              <a:t>오른쪽 박스로 만들었습니다</a:t>
+            </a:r>
+            <a:r>
+              <a:rPr lang="en-US" altLang="ko-KR" sz="1600" dirty="0"/>
+              <a:t>.</a:t>
+            </a:r>
+          </a:p>
+        </p:txBody>
+      </p:sp>
+    </p:spTree>
+    <p:extLst>
+      <p:ext uri="{BB962C8B-B14F-4D97-AF65-F5344CB8AC3E}">
+        <p14:creationId xmlns:p14="http://schemas.microsoft.com/office/powerpoint/2010/main" val="1146809667"/>
+      </p:ext>
+    </p:extLst>
+  </p:cSld>
+  <p:clrMapOvr>
+    <a:masterClrMapping/>
+  </p:clrMapOvr>
+</p:sld>
+</file>
+
+<file path=ppt/slides/slide5.xml><?xml version="1.0" encoding="utf-8"?>
+<p:sld xmlns:a="http://schemas.openxmlformats.org/drawingml/2006/main" xmlns:r="http://schemas.openxmlformats.org/officeDocument/2006/relationships" xmlns:p="http://schemas.openxmlformats.org/presentationml/2006/main">
+  <p:cSld>
+    <p:spTree>
+      <p:nvGrpSpPr>
+        <p:cNvPr id="1" name=""/>
+        <p:cNvGrpSpPr/>
+        <p:nvPr/>
+      </p:nvGrpSpPr>
+      <p:grpSpPr>
+        <a:xfrm>
+          <a:off x="0" y="0"/>
+          <a:ext cx="0" cy="0"/>
+          <a:chOff x="0" y="0"/>
+          <a:chExt cx="0" cy="0"/>
+        </a:xfrm>
+      </p:grpSpPr>
+      <p:pic>
+        <p:nvPicPr>
+          <p:cNvPr id="5" name="내용 개체 틀 4">
+            <a:extLst>
+              <a:ext uri="{FF2B5EF4-FFF2-40B4-BE49-F238E27FC236}">
+                <a16:creationId xmlns:a16="http://schemas.microsoft.com/office/drawing/2014/main" id="{3B1E9A06-819C-4808-8F40-04175328F1A0}"/>
+              </a:ext>
+            </a:extLst>
+          </p:cNvPr>
+          <p:cNvPicPr>
+            <a:picLocks noGrp="1" noChangeAspect="1"/>
+          </p:cNvPicPr>
+          <p:nvPr>
+            <p:ph idx="1"/>
+          </p:nvPr>
+        </p:nvPicPr>
+        <p:blipFill>
+          <a:blip r:embed="rId2">
+            <a:extLst>
+              <a:ext uri="{28A0092B-C50C-407E-A947-70E740481C1C}">
+                <a14:useLocalDpi xmlns:a14="http://schemas.microsoft.com/office/drawing/2010/main" val="0"/>
+              </a:ext>
+            </a:extLst>
+          </a:blip>
+          <a:stretch>
+            <a:fillRect/>
+          </a:stretch>
+        </p:blipFill>
+        <p:spPr>
+          <a:xfrm>
+            <a:off x="838200" y="839972"/>
+            <a:ext cx="10515600" cy="3578838"/>
+          </a:xfrm>
+        </p:spPr>
+      </p:pic>
+      <p:sp>
+        <p:nvSpPr>
+          <p:cNvPr id="6" name="제목 1">
+            <a:extLst>
+              <a:ext uri="{FF2B5EF4-FFF2-40B4-BE49-F238E27FC236}">
+                <a16:creationId xmlns:a16="http://schemas.microsoft.com/office/drawing/2014/main" id="{B2399708-4C8A-4733-B509-0FE3336B2136}"/>
+              </a:ext>
+            </a:extLst>
+          </p:cNvPr>
+          <p:cNvSpPr>
+            <a:spLocks noGrp="1"/>
+          </p:cNvSpPr>
+          <p:nvPr>
+            <p:ph type="title"/>
+          </p:nvPr>
+        </p:nvSpPr>
+        <p:spPr>
+          <a:xfrm>
+            <a:off x="838200" y="248167"/>
+            <a:ext cx="1958163" cy="591805"/>
+          </a:xfrm>
+        </p:spPr>
+        <p:txBody>
+          <a:bodyPr>
+            <a:normAutofit fontScale="90000"/>
+          </a:bodyPr>
+          <a:lstStyle/>
+          <a:p>
+            <a:r>
+              <a:rPr lang="en-US" altLang="ko-KR" sz="2000" dirty="0" err="1"/>
+              <a:t>opening_section</a:t>
+            </a:r>
+            <a:endParaRPr lang="ko-KR" altLang="en-US" sz="2000" dirty="0"/>
+          </a:p>
+        </p:txBody>
+      </p:sp>
+      <p:sp>
+        <p:nvSpPr>
+          <p:cNvPr id="7" name="TextBox 6">
+            <a:extLst>
+              <a:ext uri="{FF2B5EF4-FFF2-40B4-BE49-F238E27FC236}">
+                <a16:creationId xmlns:a16="http://schemas.microsoft.com/office/drawing/2014/main" id="{D21DEFAD-E7EE-4724-91C1-06AABC631D53}"/>
+              </a:ext>
+            </a:extLst>
+          </p:cNvPr>
+          <p:cNvSpPr txBox="1"/>
+          <p:nvPr/>
+        </p:nvSpPr>
+        <p:spPr>
+          <a:xfrm>
+            <a:off x="838200" y="4841338"/>
+            <a:ext cx="10184198" cy="584775"/>
+          </a:xfrm>
+          <a:prstGeom prst="rect">
+            <a:avLst/>
+          </a:prstGeom>
+          <a:noFill/>
+        </p:spPr>
+        <p:txBody>
+          <a:bodyPr wrap="none" rtlCol="0">
+            <a:spAutoFit/>
+          </a:bodyPr>
+          <a:lstStyle/>
+          <a:p>
+            <a:r>
+              <a:rPr lang="ko-KR" altLang="en-US" sz="1600" dirty="0"/>
+              <a:t>전체 오프닝 클래스안에 그랜드 오프닝부분을 만들었고 연도 부분에 </a:t>
+            </a:r>
+            <a:r>
+              <a:rPr lang="en-US" altLang="ko-KR" sz="1600" dirty="0" err="1"/>
+              <a:t>ir_pm</a:t>
+            </a:r>
+            <a:r>
+              <a:rPr lang="ko-KR" altLang="en-US" sz="1600" dirty="0"/>
+              <a:t>을 주면서 대체 텍스트를 만들었고</a:t>
+            </a:r>
+            <a:endParaRPr lang="en-US" altLang="ko-KR" sz="1600" dirty="0"/>
+          </a:p>
+          <a:p>
+            <a:r>
+              <a:rPr lang="ko-KR" altLang="en-US" sz="1600" dirty="0"/>
+              <a:t> 밑에 리뉴얼 오픈 부분을 오픈</a:t>
+            </a:r>
+            <a:r>
+              <a:rPr lang="en-US" altLang="ko-KR" sz="1600" dirty="0"/>
+              <a:t>_</a:t>
+            </a:r>
+            <a:r>
+              <a:rPr lang="ko-KR" altLang="en-US" sz="1600" dirty="0"/>
+              <a:t>박스로 </a:t>
+            </a:r>
+            <a:r>
+              <a:rPr lang="en-US" altLang="ko-KR" sz="1600" dirty="0"/>
+              <a:t>3</a:t>
+            </a:r>
+            <a:r>
+              <a:rPr lang="ko-KR" altLang="en-US" sz="1600" dirty="0"/>
+              <a:t>개 만들었습니다</a:t>
+            </a:r>
+            <a:r>
+              <a:rPr lang="en-US" altLang="ko-KR" sz="1600" dirty="0"/>
+              <a:t>. </a:t>
+            </a:r>
+            <a:endParaRPr lang="ko-KR" altLang="en-US" sz="1600" dirty="0"/>
+          </a:p>
+        </p:txBody>
+      </p:sp>
+    </p:spTree>
+    <p:extLst>
+      <p:ext uri="{BB962C8B-B14F-4D97-AF65-F5344CB8AC3E}">
+        <p14:creationId xmlns:p14="http://schemas.microsoft.com/office/powerpoint/2010/main" val="138021542"/>
+      </p:ext>
+    </p:extLst>
+  </p:cSld>
+  <p:clrMapOvr>
+    <a:masterClrMapping/>
+  </p:clrMapOvr>
+</p:sld>
+</file>
+
+<file path=ppt/slides/slide6.xml><?xml version="1.0" encoding="utf-8"?>
+<p:sld xmlns:a="http://schemas.openxmlformats.org/drawingml/2006/main" xmlns:r="http://schemas.openxmlformats.org/officeDocument/2006/relationships" xmlns:p="http://schemas.openxmlformats.org/presentationml/2006/main">
+  <p:cSld>
+    <p:spTree>
+      <p:nvGrpSpPr>
+        <p:cNvPr id="1" name=""/>
+        <p:cNvGrpSpPr/>
+        <p:nvPr/>
+      </p:nvGrpSpPr>
+      <p:grpSpPr>
+        <a:xfrm>
+          <a:off x="0" y="0"/>
+          <a:ext cx="0" cy="0"/>
+          <a:chOff x="0" y="0"/>
+          <a:chExt cx="0" cy="0"/>
+        </a:xfrm>
+      </p:grpSpPr>
+      <p:pic>
+        <p:nvPicPr>
+          <p:cNvPr id="5" name="내용 개체 틀 4">
+            <a:extLst>
+              <a:ext uri="{FF2B5EF4-FFF2-40B4-BE49-F238E27FC236}">
+                <a16:creationId xmlns:a16="http://schemas.microsoft.com/office/drawing/2014/main" id="{547D7547-F500-44E6-BC20-2326A6B4C769}"/>
+              </a:ext>
+            </a:extLst>
+          </p:cNvPr>
+          <p:cNvPicPr>
+            <a:picLocks noGrp="1" noChangeAspect="1"/>
+          </p:cNvPicPr>
+          <p:nvPr>
+            <p:ph idx="1"/>
+          </p:nvPr>
+        </p:nvPicPr>
+        <p:blipFill>
+          <a:blip r:embed="rId2">
+            <a:extLst>
+              <a:ext uri="{28A0092B-C50C-407E-A947-70E740481C1C}">
+                <a14:useLocalDpi xmlns:a14="http://schemas.microsoft.com/office/drawing/2010/main" val="0"/>
+              </a:ext>
+            </a:extLst>
+          </a:blip>
+          <a:stretch>
+            <a:fillRect/>
+          </a:stretch>
+        </p:blipFill>
+        <p:spPr>
+          <a:xfrm>
+            <a:off x="838200" y="839972"/>
+            <a:ext cx="10515600" cy="4241586"/>
+          </a:xfrm>
+        </p:spPr>
+      </p:pic>
+      <p:sp>
+        <p:nvSpPr>
+          <p:cNvPr id="6" name="제목 1">
+            <a:extLst>
+              <a:ext uri="{FF2B5EF4-FFF2-40B4-BE49-F238E27FC236}">
+                <a16:creationId xmlns:a16="http://schemas.microsoft.com/office/drawing/2014/main" id="{9F73A33F-7F80-4F84-9B3C-BE2301544B53}"/>
+              </a:ext>
+            </a:extLst>
+          </p:cNvPr>
+          <p:cNvSpPr>
+            <a:spLocks noGrp="1"/>
+          </p:cNvSpPr>
+          <p:nvPr>
+            <p:ph type="title"/>
+          </p:nvPr>
+        </p:nvSpPr>
+        <p:spPr>
+          <a:xfrm>
+            <a:off x="838200" y="248167"/>
+            <a:ext cx="1958163" cy="591805"/>
+          </a:xfrm>
+        </p:spPr>
+        <p:txBody>
+          <a:bodyPr>
+            <a:normAutofit/>
+          </a:bodyPr>
+          <a:lstStyle/>
+          <a:p>
+            <a:r>
+              <a:rPr lang="en-US" altLang="ko-KR" sz="2000" dirty="0" err="1"/>
+              <a:t>new_section</a:t>
+            </a:r>
+            <a:endParaRPr lang="ko-KR" altLang="en-US" sz="2000" dirty="0"/>
+          </a:p>
+        </p:txBody>
+      </p:sp>
+      <p:sp>
+        <p:nvSpPr>
+          <p:cNvPr id="7" name="TextBox 6">
+            <a:extLst>
+              <a:ext uri="{FF2B5EF4-FFF2-40B4-BE49-F238E27FC236}">
+                <a16:creationId xmlns:a16="http://schemas.microsoft.com/office/drawing/2014/main" id="{F556FD93-80A1-4309-AD73-AF6A0269D720}"/>
+              </a:ext>
+            </a:extLst>
+          </p:cNvPr>
+          <p:cNvSpPr txBox="1"/>
+          <p:nvPr/>
+        </p:nvSpPr>
+        <p:spPr>
+          <a:xfrm>
+            <a:off x="901996" y="5095617"/>
+            <a:ext cx="8337539" cy="1077218"/>
+          </a:xfrm>
+          <a:prstGeom prst="rect">
+            <a:avLst/>
+          </a:prstGeom>
+          <a:noFill/>
+        </p:spPr>
+        <p:txBody>
+          <a:bodyPr wrap="none" rtlCol="0">
+            <a:spAutoFit/>
+          </a:bodyPr>
+          <a:lstStyle/>
+          <a:p>
+            <a:r>
+              <a:rPr lang="ko-KR" altLang="en-US" sz="1600" dirty="0"/>
+              <a:t>왼쪽 동영상부분 오른쪽 스토리 부분으로 나누면서 왼쪽부분에는 </a:t>
+            </a:r>
+            <a:r>
+              <a:rPr lang="en-US" altLang="ko-KR" sz="1600" dirty="0" err="1"/>
+              <a:t>svg</a:t>
+            </a:r>
+            <a:r>
+              <a:rPr lang="en-US" altLang="ko-KR" sz="1600" dirty="0"/>
+              <a:t> </a:t>
+            </a:r>
+            <a:r>
+              <a:rPr lang="ko-KR" altLang="en-US" sz="1600" dirty="0"/>
+              <a:t>코드를 사용해서 </a:t>
+            </a:r>
+            <a:endParaRPr lang="en-US" altLang="ko-KR" sz="1600" dirty="0"/>
+          </a:p>
+          <a:p>
+            <a:r>
+              <a:rPr lang="en-US" altLang="ko-KR" sz="1600" dirty="0" err="1"/>
+              <a:t>css</a:t>
+            </a:r>
+            <a:r>
+              <a:rPr lang="ko-KR" altLang="en-US" sz="1600" dirty="0"/>
+              <a:t>로 재생부분에 색을 넣을 수 있게 만들었었고 오른쪽 부분에 텍스트 작업과 별 작업을</a:t>
+            </a:r>
+            <a:endParaRPr lang="en-US" altLang="ko-KR" sz="1600" dirty="0"/>
+          </a:p>
+          <a:p>
+            <a:r>
+              <a:rPr lang="ko-KR" altLang="en-US" sz="1600" dirty="0"/>
+              <a:t>이미지 </a:t>
+            </a:r>
+            <a:r>
+              <a:rPr lang="ko-KR" altLang="en-US" sz="1600" dirty="0" err="1"/>
+              <a:t>스플라이트를</a:t>
+            </a:r>
+            <a:r>
+              <a:rPr lang="ko-KR" altLang="en-US" sz="1600" dirty="0"/>
+              <a:t> 사용해서 넣었습니다</a:t>
+            </a:r>
+            <a:r>
+              <a:rPr lang="en-US" altLang="ko-KR" sz="1600" dirty="0"/>
+              <a:t>. </a:t>
+            </a:r>
+            <a:r>
+              <a:rPr lang="ko-KR" altLang="en-US" sz="1600" dirty="0"/>
+              <a:t>밑부분 체크 박스 부분을 </a:t>
+            </a:r>
+            <a:r>
+              <a:rPr lang="ko-KR" altLang="en-US" sz="1600" dirty="0" err="1"/>
+              <a:t>셀렉트</a:t>
+            </a:r>
+            <a:r>
+              <a:rPr lang="ko-KR" altLang="en-US" sz="1600" dirty="0"/>
+              <a:t> 버튼과 버튼</a:t>
+            </a:r>
+            <a:endParaRPr lang="en-US" altLang="ko-KR" sz="1600" dirty="0"/>
+          </a:p>
+          <a:p>
+            <a:r>
+              <a:rPr lang="ko-KR" altLang="en-US" sz="1600" dirty="0"/>
+              <a:t>부분으로 만들었습니다</a:t>
+            </a:r>
+            <a:r>
+              <a:rPr lang="en-US" altLang="ko-KR" sz="1600" dirty="0"/>
+              <a:t>.</a:t>
+            </a:r>
+            <a:endParaRPr lang="ko-KR" altLang="en-US" sz="1600" dirty="0"/>
+          </a:p>
+        </p:txBody>
+      </p:sp>
+    </p:spTree>
+    <p:extLst>
+      <p:ext uri="{BB962C8B-B14F-4D97-AF65-F5344CB8AC3E}">
+        <p14:creationId xmlns:p14="http://schemas.microsoft.com/office/powerpoint/2010/main" val="958419193"/>
+      </p:ext>
+    </p:extLst>
+  </p:cSld>
+  <p:clrMapOvr>
+    <a:masterClrMapping/>
+  </p:clrMapOvr>
+</p:sld>
+</file>
+
+<file path=ppt/slides/slide7.xml><?xml version="1.0" encoding="utf-8"?>
+<p:sld xmlns:a="http://schemas.openxmlformats.org/drawingml/2006/main" xmlns:r="http://schemas.openxmlformats.org/officeDocument/2006/relationships" xmlns:p="http://schemas.openxmlformats.org/presentationml/2006/main">
+  <p:cSld>
+    <p:spTree>
+      <p:nvGrpSpPr>
+        <p:cNvPr id="1" name=""/>
+        <p:cNvGrpSpPr/>
+        <p:nvPr/>
+      </p:nvGrpSpPr>
+      <p:grpSpPr>
+        <a:xfrm>
+          <a:off x="0" y="0"/>
+          <a:ext cx="0" cy="0"/>
+          <a:chOff x="0" y="0"/>
+          <a:chExt cx="0" cy="0"/>
+        </a:xfrm>
+      </p:grpSpPr>
+      <p:pic>
+        <p:nvPicPr>
+          <p:cNvPr id="5" name="내용 개체 틀 4">
+            <a:extLst>
+              <a:ext uri="{FF2B5EF4-FFF2-40B4-BE49-F238E27FC236}">
+                <a16:creationId xmlns:a16="http://schemas.microsoft.com/office/drawing/2014/main" id="{68388047-882E-4F07-9B0F-B6E23C3D1F06}"/>
+              </a:ext>
+            </a:extLst>
+          </p:cNvPr>
+          <p:cNvPicPr>
+            <a:picLocks noGrp="1" noChangeAspect="1"/>
+          </p:cNvPicPr>
+          <p:nvPr>
+            <p:ph idx="1"/>
+          </p:nvPr>
+        </p:nvPicPr>
+        <p:blipFill>
+          <a:blip r:embed="rId2">
+            <a:extLst>
+              <a:ext uri="{28A0092B-C50C-407E-A947-70E740481C1C}">
+                <a14:useLocalDpi xmlns:a14="http://schemas.microsoft.com/office/drawing/2010/main" val="0"/>
+              </a:ext>
+            </a:extLst>
+          </a:blip>
+          <a:stretch>
+            <a:fillRect/>
+          </a:stretch>
+        </p:blipFill>
+        <p:spPr>
+          <a:xfrm>
+            <a:off x="1515263" y="839972"/>
+            <a:ext cx="9161474" cy="4351338"/>
+          </a:xfrm>
+        </p:spPr>
+      </p:pic>
+      <p:sp>
+        <p:nvSpPr>
+          <p:cNvPr id="6" name="제목 1">
+            <a:extLst>
+              <a:ext uri="{FF2B5EF4-FFF2-40B4-BE49-F238E27FC236}">
+                <a16:creationId xmlns:a16="http://schemas.microsoft.com/office/drawing/2014/main" id="{5442AB5B-1178-4D15-9CFF-97B61F0D7431}"/>
+              </a:ext>
+            </a:extLst>
+          </p:cNvPr>
+          <p:cNvSpPr>
+            <a:spLocks noGrp="1"/>
+          </p:cNvSpPr>
+          <p:nvPr>
+            <p:ph type="title"/>
+          </p:nvPr>
+        </p:nvSpPr>
+        <p:spPr>
+          <a:xfrm>
+            <a:off x="838200" y="248167"/>
+            <a:ext cx="1958163" cy="591805"/>
+          </a:xfrm>
+        </p:spPr>
+        <p:txBody>
+          <a:bodyPr>
+            <a:normAutofit/>
+          </a:bodyPr>
+          <a:lstStyle/>
+          <a:p>
+            <a:r>
+              <a:rPr lang="en-US" altLang="ko-KR" sz="2000" dirty="0" err="1"/>
+              <a:t>help_section</a:t>
+            </a:r>
+            <a:endParaRPr lang="ko-KR" altLang="en-US" sz="2000" dirty="0"/>
+          </a:p>
+        </p:txBody>
+      </p:sp>
+      <p:sp>
+        <p:nvSpPr>
+          <p:cNvPr id="7" name="TextBox 6">
+            <a:extLst>
+              <a:ext uri="{FF2B5EF4-FFF2-40B4-BE49-F238E27FC236}">
+                <a16:creationId xmlns:a16="http://schemas.microsoft.com/office/drawing/2014/main" id="{2C8B20F5-63E0-417B-9452-1CBA5FBA7397}"/>
+              </a:ext>
+            </a:extLst>
+          </p:cNvPr>
+          <p:cNvSpPr txBox="1"/>
+          <p:nvPr/>
+        </p:nvSpPr>
+        <p:spPr>
+          <a:xfrm>
+            <a:off x="838200" y="5244506"/>
+            <a:ext cx="9357562" cy="1569660"/>
+          </a:xfrm>
+          <a:prstGeom prst="rect">
+            <a:avLst/>
+          </a:prstGeom>
+          <a:noFill/>
+        </p:spPr>
+        <p:txBody>
+          <a:bodyPr wrap="none" rtlCol="0">
+            <a:spAutoFit/>
+          </a:bodyPr>
+          <a:lstStyle/>
+          <a:p>
+            <a:r>
+              <a:rPr lang="ko-KR" altLang="en-US" sz="1600" dirty="0"/>
+              <a:t>공지사항</a:t>
+            </a:r>
+            <a:r>
+              <a:rPr lang="en-US" altLang="ko-KR" sz="1600" dirty="0"/>
+              <a:t>, </a:t>
+            </a:r>
+            <a:r>
+              <a:rPr lang="ko-KR" altLang="en-US" sz="1600" dirty="0"/>
+              <a:t>메가박스 할인카드</a:t>
+            </a:r>
+            <a:r>
+              <a:rPr lang="en-US" altLang="ko-KR" sz="1600" dirty="0"/>
+              <a:t>, </a:t>
+            </a:r>
+            <a:r>
+              <a:rPr lang="ko-KR" altLang="en-US" sz="1600" dirty="0"/>
+              <a:t>고객센터를 </a:t>
+            </a:r>
+            <a:r>
+              <a:rPr lang="ko-KR" altLang="en-US" sz="1600" dirty="0" err="1"/>
+              <a:t>아티클</a:t>
+            </a:r>
+            <a:r>
+              <a:rPr lang="ko-KR" altLang="en-US" sz="1600" dirty="0"/>
+              <a:t> 태그를 사용해서 독립적으로 </a:t>
+            </a:r>
+            <a:endParaRPr lang="en-US" altLang="ko-KR" sz="1600" dirty="0"/>
+          </a:p>
+          <a:p>
+            <a:r>
+              <a:rPr lang="ko-KR" altLang="en-US" sz="1600" dirty="0"/>
+              <a:t>각각 </a:t>
+            </a:r>
+            <a:r>
+              <a:rPr lang="en-US" altLang="ko-KR" sz="1600" dirty="0"/>
+              <a:t>help_box1,2,3</a:t>
+            </a:r>
+            <a:r>
+              <a:rPr lang="ko-KR" altLang="en-US" sz="1600" dirty="0"/>
+              <a:t>으로 만들었고 공지사항 박스에 전체 공지 영화관 공지를 클릭하면</a:t>
+            </a:r>
+            <a:endParaRPr lang="en-US" altLang="ko-KR" sz="1600" dirty="0"/>
+          </a:p>
+          <a:p>
+            <a:r>
+              <a:rPr lang="ko-KR" altLang="en-US" sz="1600" dirty="0"/>
+              <a:t>뉴스나 소식같은 것을 볼 수 있게 만들었습니다</a:t>
+            </a:r>
+            <a:r>
+              <a:rPr lang="en-US" altLang="ko-KR" sz="1600" dirty="0"/>
+              <a:t>.</a:t>
+            </a:r>
+          </a:p>
+          <a:p>
+            <a:r>
+              <a:rPr lang="ko-KR" altLang="en-US" sz="1600" dirty="0"/>
+              <a:t>각각 </a:t>
+            </a:r>
+            <a:r>
+              <a:rPr lang="en-US" altLang="ko-KR" sz="1600" dirty="0"/>
+              <a:t>help_box2,3</a:t>
+            </a:r>
+            <a:r>
+              <a:rPr lang="ko-KR" altLang="en-US" sz="1600" dirty="0"/>
+              <a:t>에는 </a:t>
+            </a:r>
+            <a:r>
+              <a:rPr lang="en-US" altLang="ko-KR" sz="1600" dirty="0"/>
+              <a:t>div&gt;ul&gt;li</a:t>
+            </a:r>
+            <a:r>
+              <a:rPr lang="ko-KR" altLang="en-US" sz="1600" dirty="0" err="1"/>
+              <a:t>를</a:t>
+            </a:r>
+            <a:r>
+              <a:rPr lang="ko-KR" altLang="en-US" sz="1600" dirty="0"/>
+              <a:t> 사용해서 이미지 </a:t>
+            </a:r>
+            <a:r>
+              <a:rPr lang="ko-KR" altLang="en-US" sz="1600" dirty="0" err="1"/>
+              <a:t>스플라이트작업</a:t>
+            </a:r>
+            <a:r>
+              <a:rPr lang="en-US" altLang="ko-KR" sz="1600" dirty="0"/>
+              <a:t>, </a:t>
+            </a:r>
+            <a:r>
+              <a:rPr lang="ko-KR" altLang="en-US" sz="1600" dirty="0"/>
+              <a:t>레이아웃을 작업을 하였습니다</a:t>
+            </a:r>
+            <a:r>
+              <a:rPr lang="en-US" altLang="ko-KR" sz="1600" dirty="0"/>
+              <a:t>.</a:t>
+            </a:r>
+          </a:p>
+          <a:p>
+            <a:r>
+              <a:rPr lang="ko-KR" altLang="en-US" sz="1600" dirty="0" err="1"/>
+              <a:t>푸터</a:t>
+            </a:r>
+            <a:r>
+              <a:rPr lang="ko-KR" altLang="en-US" sz="1600" dirty="0"/>
+              <a:t> 부분에는 왼쪽 부분에 </a:t>
+            </a:r>
+            <a:r>
+              <a:rPr lang="ko-KR" altLang="en-US" sz="1600" dirty="0" err="1"/>
+              <a:t>푸터</a:t>
+            </a:r>
+            <a:r>
+              <a:rPr lang="en-US" altLang="ko-KR" sz="1600" dirty="0"/>
+              <a:t>_</a:t>
+            </a:r>
+            <a:r>
+              <a:rPr lang="ko-KR" altLang="en-US" sz="1600" dirty="0" err="1"/>
+              <a:t>인포</a:t>
+            </a:r>
+            <a:r>
+              <a:rPr lang="ko-KR" altLang="en-US" sz="1600" dirty="0"/>
+              <a:t> 오른쪽 부분에 </a:t>
+            </a:r>
+            <a:r>
+              <a:rPr lang="ko-KR" altLang="en-US" sz="1600" dirty="0" err="1"/>
+              <a:t>푸터</a:t>
+            </a:r>
+            <a:r>
+              <a:rPr lang="en-US" altLang="ko-KR" sz="1600" dirty="0"/>
+              <a:t>_</a:t>
+            </a:r>
+            <a:r>
+              <a:rPr lang="en-US" altLang="ko-KR" sz="1600" dirty="0" err="1"/>
+              <a:t>sns</a:t>
+            </a:r>
+            <a:r>
+              <a:rPr lang="ko-KR" altLang="en-US" sz="1600" dirty="0"/>
+              <a:t>로 나누어서</a:t>
+            </a:r>
+            <a:endParaRPr lang="en-US" altLang="ko-KR" sz="1600" dirty="0"/>
+          </a:p>
+          <a:p>
+            <a:r>
+              <a:rPr lang="ko-KR" altLang="en-US" sz="1600" dirty="0"/>
+              <a:t>이미지 작업은 이미지 </a:t>
+            </a:r>
+            <a:r>
+              <a:rPr lang="ko-KR" altLang="en-US" sz="1600" dirty="0" err="1"/>
+              <a:t>스플라이트로</a:t>
+            </a:r>
+            <a:r>
+              <a:rPr lang="ko-KR" altLang="en-US" sz="1600" dirty="0"/>
+              <a:t> 작업을 했습니다</a:t>
+            </a:r>
+            <a:r>
+              <a:rPr lang="en-US" altLang="ko-KR" sz="1600" dirty="0"/>
+              <a:t>.</a:t>
+            </a:r>
+            <a:endParaRPr lang="ko-KR" altLang="en-US" sz="1600" dirty="0"/>
+          </a:p>
+        </p:txBody>
+      </p:sp>
+    </p:spTree>
+    <p:extLst>
+      <p:ext uri="{BB962C8B-B14F-4D97-AF65-F5344CB8AC3E}">
+        <p14:creationId xmlns:p14="http://schemas.microsoft.com/office/powerpoint/2010/main" val="1928523616"/>
+      </p:ext>
+    </p:extLst>
+  </p:cSld>
+  <p:clrMapOvr>
+    <a:masterClrMapping/>
+  </p:clrMapOvr>
+</p:sld>
+</file>
+
 <file path=ppt/theme/theme1.xml><?xml version="1.0" encoding="utf-8"?>
 <a:theme xmlns:a="http://schemas.openxmlformats.org/drawingml/2006/main" name="Office 테마">
   <a:themeElements>

--- a/ppt/megabox2019.pptx
+++ b/ppt/megabox2019.pptx
@@ -1,8 +1,8 @@
 
 <file path=ppt/presentation.xml><?xml version="1.0" encoding="utf-8"?>
-<p:presentation xmlns:a="http://schemas.openxmlformats.org/drawingml/2006/main" xmlns:r="http://schemas.openxmlformats.org/officeDocument/2006/relationships" xmlns:p="http://schemas.openxmlformats.org/presentationml/2006/main" saveSubsetFonts="1">
+<p:presentation xmlns:r="http://schemas.openxmlformats.org/officeDocument/2006/relationships" xmlns:c="http://schemas.openxmlformats.org/drawingml/2006/chart" xmlns:a="http://schemas.openxmlformats.org/drawingml/2006/main" xmlns:dgm="http://schemas.openxmlformats.org/drawingml/2006/diagram" xmlns:dsp="http://schemas.microsoft.com/office/drawing/2008/diagram" xmlns:p="http://schemas.openxmlformats.org/presentationml/2006/main">
   <p:sldMasterIdLst>
-    <p:sldMasterId id="2147483648" r:id="rId1"/>
+    <p:sldMasterId id="2147483660" r:id="rId1"/>
   </p:sldMasterIdLst>
   <p:sldIdLst>
     <p:sldId id="256" r:id="rId2"/>
@@ -110,11 +110,6 @@
       </a:defRPr>
     </a:lvl9pPr>
   </p:defaultTextStyle>
-  <p:extLst>
-    <p:ext uri="{EFAFB233-063F-42B5-8137-9DF3F51BA10A}">
-      <p15:sldGuideLst xmlns:p15="http://schemas.microsoft.com/office/powerpoint/2012/main"/>
-    </p:ext>
-  </p:extLst>
 </p:presentation>
 </file>
 
@@ -4477,7 +4472,7 @@
 </file>
 
 <file path=ppt/slides/slide7.xml><?xml version="1.0" encoding="utf-8"?>
-<p:sld xmlns:a="http://schemas.openxmlformats.org/drawingml/2006/main" xmlns:r="http://schemas.openxmlformats.org/officeDocument/2006/relationships" xmlns:p="http://schemas.openxmlformats.org/presentationml/2006/main">
+<p:sld xmlns:r="http://schemas.openxmlformats.org/officeDocument/2006/relationships" xmlns:c="http://schemas.openxmlformats.org/drawingml/2006/chart" xmlns:a="http://schemas.openxmlformats.org/drawingml/2006/main" xmlns:dgm="http://schemas.openxmlformats.org/drawingml/2006/diagram" xmlns:dsp="http://schemas.microsoft.com/office/drawing/2008/diagram" xmlns:p="http://schemas.openxmlformats.org/presentationml/2006/main">
   <p:cSld>
     <p:spTree>
       <p:nvGrpSpPr>
@@ -4495,13 +4490,7 @@
       </p:grpSpPr>
       <p:pic>
         <p:nvPicPr>
-          <p:cNvPr id="5" name="내용 개체 틀 4">
-            <a:extLst>
-              <a:ext uri="{FF2B5EF4-FFF2-40B4-BE49-F238E27FC236}">
-                <a16:creationId xmlns:a16="http://schemas.microsoft.com/office/drawing/2014/main" id="{68388047-882E-4F07-9B0F-B6E23C3D1F06}"/>
-              </a:ext>
-            </a:extLst>
-          </p:cNvPr>
+          <p:cNvPr id="5" name="내용 개체 틀 4"/>
           <p:cNvPicPr>
             <a:picLocks noGrp="1" noChangeAspect="1"/>
           </p:cNvPicPr>
@@ -4509,39 +4498,27 @@
             <p:ph idx="1"/>
           </p:nvPr>
         </p:nvPicPr>
-        <p:blipFill>
-          <a:blip r:embed="rId2">
-            <a:extLst>
-              <a:ext uri="{28A0092B-C50C-407E-A947-70E740481C1C}">
-                <a14:useLocalDpi xmlns:a14="http://schemas.microsoft.com/office/drawing/2010/main" val="0"/>
-              </a:ext>
-            </a:extLst>
-          </a:blip>
+        <p:blipFill rotWithShape="1">
+          <a:blip r:embed="rId2"/>
           <a:stretch>
             <a:fillRect/>
           </a:stretch>
         </p:blipFill>
         <p:spPr>
           <a:xfrm>
-            <a:off x="1515263" y="839972"/>
+            <a:off x="1515263" y="644881"/>
             <a:ext cx="9161474" cy="4351338"/>
           </a:xfrm>
         </p:spPr>
       </p:pic>
       <p:sp>
         <p:nvSpPr>
-          <p:cNvPr id="6" name="제목 1">
-            <a:extLst>
-              <a:ext uri="{FF2B5EF4-FFF2-40B4-BE49-F238E27FC236}">
-                <a16:creationId xmlns:a16="http://schemas.microsoft.com/office/drawing/2014/main" id="{5442AB5B-1178-4D15-9CFF-97B61F0D7431}"/>
-              </a:ext>
-            </a:extLst>
-          </p:cNvPr>
-          <p:cNvSpPr>
-            <a:spLocks noGrp="1"/>
-          </p:cNvSpPr>
-          <p:nvPr>
-            <p:ph type="title"/>
+          <p:cNvPr id="6" name="제목 1"/>
+          <p:cNvSpPr>
+            <a:spLocks noGrp="1"/>
+          </p:cNvSpPr>
+          <p:nvPr>
+            <p:ph type="title" idx="0"/>
           </p:nvPr>
         </p:nvSpPr>
         <p:spPr>
@@ -4556,30 +4533,27 @@
           </a:bodyPr>
           <a:lstStyle/>
           <a:p>
-            <a:r>
-              <a:rPr lang="en-US" altLang="ko-KR" sz="2000" dirty="0" err="1"/>
+            <a:pPr lvl="0">
+              <a:defRPr/>
+            </a:pPr>
+            <a:r>
+              <a:rPr lang="en-US" altLang="ko-KR" sz="2000"/>
               <a:t>help_section</a:t>
             </a:r>
-            <a:endParaRPr lang="ko-KR" altLang="en-US" sz="2000" dirty="0"/>
-          </a:p>
-        </p:txBody>
-      </p:sp>
-      <p:sp>
-        <p:nvSpPr>
-          <p:cNvPr id="7" name="TextBox 6">
-            <a:extLst>
-              <a:ext uri="{FF2B5EF4-FFF2-40B4-BE49-F238E27FC236}">
-                <a16:creationId xmlns:a16="http://schemas.microsoft.com/office/drawing/2014/main" id="{2C8B20F5-63E0-417B-9452-1CBA5FBA7397}"/>
-              </a:ext>
-            </a:extLst>
-          </p:cNvPr>
+            <a:endParaRPr lang="ko-KR" altLang="en-US" sz="2000"/>
+          </a:p>
+        </p:txBody>
+      </p:sp>
+      <p:sp>
+        <p:nvSpPr>
+          <p:cNvPr id="7" name="TextBox 6"/>
           <p:cNvSpPr txBox="1"/>
           <p:nvPr/>
         </p:nvSpPr>
         <p:spPr>
           <a:xfrm>
-            <a:off x="838200" y="5244506"/>
-            <a:ext cx="9357562" cy="1569660"/>
+            <a:off x="849676" y="5066927"/>
+            <a:ext cx="9302115" cy="1791073"/>
           </a:xfrm>
           <a:prstGeom prst="rect">
             <a:avLst/>
@@ -4587,224 +4561,209 @@
           <a:noFill/>
         </p:spPr>
         <p:txBody>
-          <a:bodyPr wrap="none" rtlCol="0">
+          <a:bodyPr wrap="none">
             <a:spAutoFit/>
           </a:bodyPr>
           <a:lstStyle/>
           <a:p>
-            <a:r>
-              <a:rPr lang="ko-KR" altLang="en-US" sz="1600" dirty="0"/>
+            <a:pPr lvl="0">
+              <a:defRPr/>
+            </a:pPr>
+            <a:r>
+              <a:rPr lang="ko-KR" altLang="en-US" sz="1600"/>
               <a:t>공지사항</a:t>
             </a:r>
             <a:r>
-              <a:rPr lang="en-US" altLang="ko-KR" sz="1600" dirty="0"/>
+              <a:rPr lang="en-US" altLang="ko-KR" sz="1600"/>
               <a:t>, </a:t>
             </a:r>
             <a:r>
-              <a:rPr lang="ko-KR" altLang="en-US" sz="1600" dirty="0"/>
+              <a:rPr lang="ko-KR" altLang="en-US" sz="1600"/>
               <a:t>메가박스 할인카드</a:t>
             </a:r>
             <a:r>
-              <a:rPr lang="en-US" altLang="ko-KR" sz="1600" dirty="0"/>
+              <a:rPr lang="en-US" altLang="ko-KR" sz="1600"/>
               <a:t>, </a:t>
             </a:r>
             <a:r>
-              <a:rPr lang="ko-KR" altLang="en-US" sz="1600" dirty="0"/>
-              <a:t>고객센터를 </a:t>
-            </a:r>
-            <a:r>
-              <a:rPr lang="ko-KR" altLang="en-US" sz="1600" dirty="0" err="1"/>
-              <a:t>아티클</a:t>
-            </a:r>
-            <a:r>
-              <a:rPr lang="ko-KR" altLang="en-US" sz="1600" dirty="0"/>
-              <a:t> 태그를 사용해서 독립적으로 </a:t>
-            </a:r>
-            <a:endParaRPr lang="en-US" altLang="ko-KR" sz="1600" dirty="0"/>
-          </a:p>
-          <a:p>
-            <a:r>
-              <a:rPr lang="ko-KR" altLang="en-US" sz="1600" dirty="0"/>
+              <a:rPr lang="ko-KR" altLang="en-US" sz="1600"/>
+              <a:t>고객센터를 아티클 태그를 사용해서 독립적으로 </a:t>
+            </a:r>
+            <a:endParaRPr lang="ko-KR" altLang="en-US" sz="1600"/>
+          </a:p>
+          <a:p>
+            <a:pPr lvl="0">
+              <a:defRPr/>
+            </a:pPr>
+            <a:r>
+              <a:rPr lang="ko-KR" altLang="en-US" sz="1600"/>
               <a:t>각각 </a:t>
             </a:r>
             <a:r>
-              <a:rPr lang="en-US" altLang="ko-KR" sz="1600" dirty="0"/>
+              <a:rPr lang="en-US" altLang="ko-KR" sz="1600"/>
               <a:t>help_box1,2,3</a:t>
             </a:r>
             <a:r>
-              <a:rPr lang="ko-KR" altLang="en-US" sz="1600" dirty="0"/>
+              <a:rPr lang="ko-KR" altLang="en-US" sz="1600"/>
               <a:t>으로 만들었고 공지사항 박스에 전체 공지 영화관 공지를 클릭하면</a:t>
             </a:r>
-            <a:endParaRPr lang="en-US" altLang="ko-KR" sz="1600" dirty="0"/>
-          </a:p>
-          <a:p>
-            <a:r>
-              <a:rPr lang="ko-KR" altLang="en-US" sz="1600" dirty="0"/>
+            <a:endParaRPr lang="ko-KR" altLang="en-US" sz="1600"/>
+          </a:p>
+          <a:p>
+            <a:pPr lvl="0">
+              <a:defRPr/>
+            </a:pPr>
+            <a:r>
+              <a:rPr lang="ko-KR" altLang="en-US" sz="1600"/>
               <a:t>뉴스나 소식같은 것을 볼 수 있게 만들었습니다</a:t>
             </a:r>
             <a:r>
-              <a:rPr lang="en-US" altLang="ko-KR" sz="1600" dirty="0"/>
+              <a:rPr lang="en-US" altLang="ko-KR" sz="1600"/>
               <a:t>.</a:t>
             </a:r>
-          </a:p>
-          <a:p>
-            <a:r>
-              <a:rPr lang="ko-KR" altLang="en-US" sz="1600" dirty="0"/>
+            <a:endParaRPr lang="en-US" altLang="ko-KR" sz="1600"/>
+          </a:p>
+          <a:p>
+            <a:pPr lvl="0">
+              <a:defRPr/>
+            </a:pPr>
+            <a:endParaRPr lang="en-US" altLang="ko-KR" sz="1600"/>
+          </a:p>
+          <a:p>
+            <a:pPr lvl="0">
+              <a:defRPr/>
+            </a:pPr>
+            <a:r>
+              <a:rPr lang="ko-KR" altLang="en-US" sz="1600"/>
               <a:t>각각 </a:t>
             </a:r>
             <a:r>
-              <a:rPr lang="en-US" altLang="ko-KR" sz="1600" dirty="0"/>
+              <a:rPr lang="en-US" altLang="ko-KR" sz="1600"/>
               <a:t>help_box2,3</a:t>
             </a:r>
             <a:r>
-              <a:rPr lang="ko-KR" altLang="en-US" sz="1600" dirty="0"/>
+              <a:rPr lang="ko-KR" altLang="en-US" sz="1600"/>
               <a:t>에는 </a:t>
             </a:r>
             <a:r>
-              <a:rPr lang="en-US" altLang="ko-KR" sz="1600" dirty="0"/>
+              <a:rPr lang="en-US" altLang="ko-KR" sz="1600"/>
               <a:t>div&gt;ul&gt;li</a:t>
             </a:r>
             <a:r>
-              <a:rPr lang="ko-KR" altLang="en-US" sz="1600" dirty="0" err="1"/>
-              <a:t>를</a:t>
-            </a:r>
-            <a:r>
-              <a:rPr lang="ko-KR" altLang="en-US" sz="1600" dirty="0"/>
-              <a:t> 사용해서 이미지 </a:t>
-            </a:r>
-            <a:r>
-              <a:rPr lang="ko-KR" altLang="en-US" sz="1600" dirty="0" err="1"/>
-              <a:t>스플라이트작업</a:t>
-            </a:r>
-            <a:r>
-              <a:rPr lang="en-US" altLang="ko-KR" sz="1600" dirty="0"/>
+              <a:rPr lang="ko-KR" altLang="en-US" sz="1600"/>
+              <a:t>를 사용해서 이미지 스플라이트작업</a:t>
+            </a:r>
+            <a:r>
+              <a:rPr lang="en-US" altLang="ko-KR" sz="1600"/>
               <a:t>, </a:t>
             </a:r>
             <a:r>
-              <a:rPr lang="ko-KR" altLang="en-US" sz="1600" dirty="0"/>
+              <a:rPr lang="ko-KR" altLang="en-US" sz="1600"/>
               <a:t>레이아웃을 작업을 하였습니다</a:t>
             </a:r>
             <a:r>
-              <a:rPr lang="en-US" altLang="ko-KR" sz="1600" dirty="0"/>
+              <a:rPr lang="en-US" altLang="ko-KR" sz="1600"/>
               <a:t>.</a:t>
             </a:r>
-          </a:p>
-          <a:p>
-            <a:r>
-              <a:rPr lang="ko-KR" altLang="en-US" sz="1600" dirty="0" err="1"/>
-              <a:t>푸터</a:t>
-            </a:r>
-            <a:r>
-              <a:rPr lang="ko-KR" altLang="en-US" sz="1600" dirty="0"/>
-              <a:t> 부분에는 왼쪽 부분에 </a:t>
-            </a:r>
-            <a:r>
-              <a:rPr lang="ko-KR" altLang="en-US" sz="1600" dirty="0" err="1"/>
-              <a:t>푸터</a:t>
-            </a:r>
-            <a:r>
-              <a:rPr lang="en-US" altLang="ko-KR" sz="1600" dirty="0"/>
+            <a:endParaRPr lang="en-US" altLang="ko-KR" sz="1600"/>
+          </a:p>
+          <a:p>
+            <a:pPr lvl="0">
+              <a:defRPr/>
+            </a:pPr>
+            <a:r>
+              <a:rPr lang="ko-KR" altLang="en-US" sz="1600"/>
+              <a:t>푸터 부분에는 왼쪽 부분에 푸터</a:t>
+            </a:r>
+            <a:r>
+              <a:rPr lang="en-US" altLang="ko-KR" sz="1600"/>
               <a:t>_</a:t>
             </a:r>
             <a:r>
-              <a:rPr lang="ko-KR" altLang="en-US" sz="1600" dirty="0" err="1"/>
-              <a:t>인포</a:t>
-            </a:r>
-            <a:r>
-              <a:rPr lang="ko-KR" altLang="en-US" sz="1600" dirty="0"/>
-              <a:t> 오른쪽 부분에 </a:t>
-            </a:r>
-            <a:r>
-              <a:rPr lang="ko-KR" altLang="en-US" sz="1600" dirty="0" err="1"/>
-              <a:t>푸터</a:t>
-            </a:r>
-            <a:r>
-              <a:rPr lang="en-US" altLang="ko-KR" sz="1600" dirty="0"/>
-              <a:t>_</a:t>
-            </a:r>
-            <a:r>
-              <a:rPr lang="en-US" altLang="ko-KR" sz="1600" dirty="0" err="1"/>
-              <a:t>sns</a:t>
-            </a:r>
-            <a:r>
-              <a:rPr lang="ko-KR" altLang="en-US" sz="1600" dirty="0"/>
+              <a:rPr lang="ko-KR" altLang="en-US" sz="1600"/>
+              <a:t>인포 오른쪽 부분에 푸터</a:t>
+            </a:r>
+            <a:r>
+              <a:rPr lang="en-US" altLang="ko-KR" sz="1600"/>
+              <a:t>_sns</a:t>
+            </a:r>
+            <a:r>
+              <a:rPr lang="ko-KR" altLang="en-US" sz="1600"/>
               <a:t>로 나누어서</a:t>
             </a:r>
-            <a:endParaRPr lang="en-US" altLang="ko-KR" sz="1600" dirty="0"/>
-          </a:p>
-          <a:p>
-            <a:r>
-              <a:rPr lang="ko-KR" altLang="en-US" sz="1600" dirty="0"/>
-              <a:t>이미지 작업은 이미지 </a:t>
-            </a:r>
-            <a:r>
-              <a:rPr lang="ko-KR" altLang="en-US" sz="1600" dirty="0" err="1"/>
-              <a:t>스플라이트로</a:t>
-            </a:r>
-            <a:r>
-              <a:rPr lang="ko-KR" altLang="en-US" sz="1600" dirty="0"/>
-              <a:t> 작업을 했습니다</a:t>
-            </a:r>
-            <a:r>
-              <a:rPr lang="en-US" altLang="ko-KR" sz="1600" dirty="0"/>
+            <a:endParaRPr lang="ko-KR" altLang="en-US" sz="1600"/>
+          </a:p>
+          <a:p>
+            <a:pPr lvl="0">
+              <a:defRPr/>
+            </a:pPr>
+            <a:r>
+              <a:rPr lang="ko-KR" altLang="en-US" sz="1600"/>
+              <a:t>이미지 작업은 이미지 스플라이트로 작업을 했습니다</a:t>
+            </a:r>
+            <a:r>
+              <a:rPr lang="en-US" altLang="ko-KR" sz="1600"/>
               <a:t>.</a:t>
             </a:r>
-            <a:endParaRPr lang="ko-KR" altLang="en-US" sz="1600" dirty="0"/>
+            <a:endParaRPr lang="ko-KR" altLang="en-US" sz="1600"/>
           </a:p>
         </p:txBody>
       </p:sp>
     </p:spTree>
-    <p:extLst>
-      <p:ext uri="{BB962C8B-B14F-4D97-AF65-F5344CB8AC3E}">
-        <p14:creationId xmlns:p14="http://schemas.microsoft.com/office/powerpoint/2010/main" val="1928523616"/>
-      </p:ext>
-    </p:extLst>
   </p:cSld>
   <p:clrMapOvr>
     <a:masterClrMapping/>
   </p:clrMapOvr>
+  <mc:AlternateContent xmlns:mc="http://schemas.openxmlformats.org/markup-compatibility/2006">
+    <mc:Choice xmlns:p14="http://schemas.microsoft.com/office/powerpoint/2010/main" Requires="p14">
+      <p:transition xmlns:mc="http://schemas.openxmlformats.org/markup-compatibility/2006" xmlns:p14="http://schemas.microsoft.com/office/powerpoint/2010/main" mc:Ignorable="p14" p14:dur="500"/>
+    </mc:Choice>
+    <mc:Fallback>
+      <p:transition/>
+    </mc:Fallback>
+  </mc:AlternateContent>
 </p:sld>
 </file>
 
 <file path=ppt/theme/theme1.xml><?xml version="1.0" encoding="utf-8"?>
-<a:theme xmlns:a="http://schemas.openxmlformats.org/drawingml/2006/main" name="Office 테마">
+<a:theme xmlns:r="http://schemas.openxmlformats.org/officeDocument/2006/relationships" xmlns:c="http://schemas.openxmlformats.org/drawingml/2006/chart" xmlns:dgm="http://schemas.openxmlformats.org/drawingml/2006/diagram" xmlns:dsp="http://schemas.microsoft.com/office/drawing/2008/diagram" xmlns:a="http://schemas.openxmlformats.org/drawingml/2006/main" xmlns:pic="http://schemas.openxmlformats.org/drawingml/2006/picture" xmlns:wp="http://schemas.openxmlformats.org/drawingml/2006/wordprocessingDrawing" xmlns:xdr="http://schemas.openxmlformats.org/drawingml/2006/spreadsheetDrawing" xmlns:lc="http://schemas.openxmlformats.org/drawingml/2006/lockedCanvas" xmlns:p="http://schemas.openxmlformats.org/presentationml/2006/main" name="Office 테마">
   <a:themeElements>
     <a:clrScheme name="Office">
       <a:dk1>
         <a:sysClr val="windowText" lastClr="000000"/>
       </a:dk1>
       <a:lt1>
-        <a:sysClr val="window" lastClr="FFFFFF"/>
+        <a:sysClr val="window" lastClr="ffffff"/>
       </a:lt1>
       <a:dk2>
-        <a:srgbClr val="44546A"/>
+        <a:srgbClr val="44546a"/>
       </a:dk2>
       <a:lt2>
-        <a:srgbClr val="E7E6E6"/>
+        <a:srgbClr val="e7e6e6"/>
       </a:lt2>
       <a:accent1>
-        <a:srgbClr val="4472C4"/>
+        <a:srgbClr val="4472c4"/>
       </a:accent1>
       <a:accent2>
-        <a:srgbClr val="ED7D31"/>
+        <a:srgbClr val="ed7d31"/>
       </a:accent2>
       <a:accent3>
-        <a:srgbClr val="A5A5A5"/>
+        <a:srgbClr val="a5a5a5"/>
       </a:accent3>
       <a:accent4>
-        <a:srgbClr val="FFC000"/>
+        <a:srgbClr val="ffc000"/>
       </a:accent4>
       <a:accent5>
-        <a:srgbClr val="5B9BD5"/>
+        <a:srgbClr val="5b9bd5"/>
       </a:accent5>
       <a:accent6>
-        <a:srgbClr val="70AD47"/>
+        <a:srgbClr val="70ad47"/>
       </a:accent6>
       <a:hlink>
-        <a:srgbClr val="0563C1"/>
+        <a:srgbClr val="0563c1"/>
       </a:hlink>
       <a:folHlink>
-        <a:srgbClr val="954F72"/>
+        <a:srgbClr val="954f72"/>
       </a:folHlink>
     </a:clrScheme>
     <a:fontScheme name="Office">
@@ -4812,7 +4771,7 @@
         <a:latin typeface="맑은 고딕" panose="020F0302020204030204"/>
         <a:ea typeface=""/>
         <a:cs typeface=""/>
-        <a:font script="Jpan" typeface="游ゴシック Light"/>
+        <a:font script="Jpan" typeface="Yu Gothic Light"/>
         <a:font script="Hang" typeface="맑은 고딕"/>
         <a:font script="Hans" typeface="等线 Light"/>
         <a:font script="Hant" typeface="新細明體"/>
@@ -4864,7 +4823,7 @@
         <a:latin typeface="맑은 고딕" panose="020F0502020204030204"/>
         <a:ea typeface=""/>
         <a:cs typeface=""/>
-        <a:font script="Jpan" typeface="游ゴシック"/>
+        <a:font script="Jpan" typeface="Yu Gothic"/>
         <a:font script="Hang" typeface="맑은 고딕"/>
         <a:font script="Hans" typeface="等线"/>
         <a:font script="Hant" typeface="新細明體"/>
@@ -4977,21 +4936,21 @@
             <a:schemeClr val="phClr"/>
           </a:solidFill>
           <a:prstDash val="solid"/>
-          <a:miter lim="800000"/>
+          <a:miter/>
         </a:ln>
         <a:ln w="12700" cap="flat" cmpd="sng" algn="ctr">
           <a:solidFill>
             <a:schemeClr val="phClr"/>
           </a:solidFill>
           <a:prstDash val="solid"/>
-          <a:miter lim="800000"/>
+          <a:miter/>
         </a:ln>
         <a:ln w="19050" cap="flat" cmpd="sng" algn="ctr">
           <a:solidFill>
             <a:schemeClr val="phClr"/>
           </a:solidFill>
           <a:prstDash val="solid"/>
-          <a:miter lim="800000"/>
+          <a:miter/>
         </a:ln>
       </a:lnStyleLst>
       <a:effectStyleLst>
@@ -5051,12 +5010,5 @@
       </a:bgFillStyleLst>
     </a:fmtScheme>
   </a:themeElements>
-  <a:objectDefaults/>
-  <a:extraClrSchemeLst/>
-  <a:extLst>
-    <a:ext uri="{05A4C25C-085E-4340-85A3-A5531E510DB2}">
-      <thm15:themeFamily xmlns:thm15="http://schemas.microsoft.com/office/thememl/2012/main" name="Office Theme" id="{62F939B6-93AF-4DB8-9C6B-D6C7DFDC589F}" vid="{4A3C46E8-61CC-4603-A589-7422A47A8E4A}"/>
-    </a:ext>
-  </a:extLst>
 </a:theme>
 </file>
--- a/ppt/megabox2019.pptx
+++ b/ppt/megabox2019.pptx
@@ -2,7 +2,7 @@
 <file path=ppt/presentation.xml><?xml version="1.0" encoding="utf-8"?>
 <p:presentation xmlns:r="http://schemas.openxmlformats.org/officeDocument/2006/relationships" xmlns:c="http://schemas.openxmlformats.org/drawingml/2006/chart" xmlns:a="http://schemas.openxmlformats.org/drawingml/2006/main" xmlns:dgm="http://schemas.openxmlformats.org/drawingml/2006/diagram" xmlns:dsp="http://schemas.microsoft.com/office/drawing/2008/diagram" xmlns:p="http://schemas.openxmlformats.org/presentationml/2006/main">
   <p:sldMasterIdLst>
-    <p:sldMasterId id="2147483660" r:id="rId1"/>
+    <p:sldMasterId id="2147483661" r:id="rId1"/>
   </p:sldMasterIdLst>
   <p:sldIdLst>
     <p:sldId id="256" r:id="rId2"/>
@@ -3427,7 +3427,7 @@
 </file>
 
 <file path=ppt/slides/slide2.xml><?xml version="1.0" encoding="utf-8"?>
-<p:sld xmlns:a="http://schemas.openxmlformats.org/drawingml/2006/main" xmlns:r="http://schemas.openxmlformats.org/officeDocument/2006/relationships" xmlns:p="http://schemas.openxmlformats.org/presentationml/2006/main">
+<p:sld xmlns:r="http://schemas.openxmlformats.org/officeDocument/2006/relationships" xmlns:c="http://schemas.openxmlformats.org/drawingml/2006/chart" xmlns:a="http://schemas.openxmlformats.org/drawingml/2006/main" xmlns:dgm="http://schemas.openxmlformats.org/drawingml/2006/diagram" xmlns:dsp="http://schemas.microsoft.com/office/drawing/2008/diagram" xmlns:p="http://schemas.openxmlformats.org/presentationml/2006/main">
   <p:cSld>
     <p:spTree>
       <p:nvGrpSpPr>
@@ -3445,18 +3445,12 @@
       </p:grpSpPr>
       <p:sp>
         <p:nvSpPr>
-          <p:cNvPr id="2" name="제목 1">
-            <a:extLst>
-              <a:ext uri="{FF2B5EF4-FFF2-40B4-BE49-F238E27FC236}">
-                <a16:creationId xmlns:a16="http://schemas.microsoft.com/office/drawing/2014/main" id="{B146C29F-DD1A-409F-AD70-8BB30B407742}"/>
-              </a:ext>
-            </a:extLst>
-          </p:cNvPr>
-          <p:cNvSpPr>
-            <a:spLocks noGrp="1"/>
-          </p:cNvSpPr>
-          <p:nvPr>
-            <p:ph type="title"/>
+          <p:cNvPr id="2" name="제목 1"/>
+          <p:cNvSpPr>
+            <a:spLocks noGrp="1"/>
+          </p:cNvSpPr>
+          <p:nvPr>
+            <p:ph type="title" idx="0"/>
           </p:nvPr>
         </p:nvSpPr>
         <p:spPr>
@@ -3471,23 +3465,20 @@
           </a:bodyPr>
           <a:lstStyle/>
           <a:p>
-            <a:r>
-              <a:rPr lang="en-US" altLang="ko-KR" sz="2000" dirty="0" err="1"/>
+            <a:pPr lvl="0">
+              <a:defRPr/>
+            </a:pPr>
+            <a:r>
+              <a:rPr lang="en-US" altLang="ko-KR" sz="2000"/>
               <a:t>Header+banner_section</a:t>
             </a:r>
-            <a:endParaRPr lang="ko-KR" altLang="en-US" sz="2000" dirty="0"/>
+            <a:endParaRPr lang="ko-KR" altLang="en-US" sz="2000"/>
           </a:p>
         </p:txBody>
       </p:sp>
       <p:pic>
         <p:nvPicPr>
-          <p:cNvPr id="5" name="내용 개체 틀 4">
-            <a:extLst>
-              <a:ext uri="{FF2B5EF4-FFF2-40B4-BE49-F238E27FC236}">
-                <a16:creationId xmlns:a16="http://schemas.microsoft.com/office/drawing/2014/main" id="{3D52984C-6903-4F0E-BB80-5C0026E90FBB}"/>
-              </a:ext>
-            </a:extLst>
-          </p:cNvPr>
+          <p:cNvPr id="5" name="내용 개체 틀 4"/>
           <p:cNvPicPr>
             <a:picLocks noGrp="1" noChangeAspect="1"/>
           </p:cNvPicPr>
@@ -3495,14 +3486,8 @@
             <p:ph idx="1"/>
           </p:nvPr>
         </p:nvPicPr>
-        <p:blipFill>
-          <a:blip r:embed="rId2">
-            <a:extLst>
-              <a:ext uri="{28A0092B-C50C-407E-A947-70E740481C1C}">
-                <a14:useLocalDpi xmlns:a14="http://schemas.microsoft.com/office/drawing/2010/main" val="0"/>
-              </a:ext>
-            </a:extLst>
-          </a:blip>
+        <p:blipFill rotWithShape="1">
+          <a:blip r:embed="rId2"/>
           <a:stretch>
             <a:fillRect/>
           </a:stretch>
@@ -3516,20 +3501,14 @@
       </p:pic>
       <p:sp>
         <p:nvSpPr>
-          <p:cNvPr id="6" name="TextBox 5">
-            <a:extLst>
-              <a:ext uri="{FF2B5EF4-FFF2-40B4-BE49-F238E27FC236}">
-                <a16:creationId xmlns:a16="http://schemas.microsoft.com/office/drawing/2014/main" id="{82C12628-CD68-47C3-8DCD-837A4C2E6591}"/>
-              </a:ext>
-            </a:extLst>
-          </p:cNvPr>
+          <p:cNvPr id="6" name="TextBox 5"/>
           <p:cNvSpPr txBox="1"/>
           <p:nvPr/>
         </p:nvSpPr>
         <p:spPr>
           <a:xfrm>
-            <a:off x="820147" y="4912241"/>
-            <a:ext cx="10533653" cy="1815882"/>
+            <a:off x="864416" y="4818896"/>
+            <a:ext cx="10463168" cy="2039104"/>
           </a:xfrm>
           <a:prstGeom prst="rect">
             <a:avLst/>
@@ -3537,168 +3516,174 @@
           <a:noFill/>
         </p:spPr>
         <p:txBody>
-          <a:bodyPr wrap="none" rtlCol="0">
+          <a:bodyPr wrap="none">
             <a:spAutoFit/>
           </a:bodyPr>
           <a:lstStyle/>
           <a:p>
-            <a:r>
-              <a:rPr lang="ko-KR" altLang="en-US" sz="1600" dirty="0"/>
-              <a:t> 우선 전체 태그 여백 초기화를 주면서 헤더부분에 왼쪽 </a:t>
-            </a:r>
-            <a:r>
-              <a:rPr lang="en-US" altLang="ko-KR" sz="1600" dirty="0" err="1"/>
+            <a:pPr lvl="0">
+              <a:defRPr/>
+            </a:pPr>
+            <a:r>
+              <a:rPr lang="ko-KR" altLang="en-US" sz="1600"/>
+              <a:t>모바일로 볼 수 있게끔 반응형 작업을 완료했습니다</a:t>
+            </a:r>
+            <a:r>
+              <a:rPr lang="en-US" altLang="ko-KR" sz="1600"/>
+              <a:t>.</a:t>
+            </a:r>
+            <a:r>
+              <a:rPr lang="ko-KR" altLang="en-US" sz="1600"/>
+              <a:t> </a:t>
+            </a:r>
+            <a:endParaRPr lang="ko-KR" altLang="en-US" sz="1600"/>
+          </a:p>
+          <a:p>
+            <a:pPr lvl="0">
+              <a:defRPr/>
+            </a:pPr>
+            <a:r>
+              <a:rPr lang="ko-KR" altLang="en-US" sz="1600"/>
+              <a:t>우선 전체 태그 여백 초기화를 주면서 헤더부분에 왼쪽 </a:t>
+            </a:r>
+            <a:r>
+              <a:rPr lang="en-US" altLang="ko-KR" sz="1600"/>
               <a:t>megabox</a:t>
             </a:r>
             <a:r>
-              <a:rPr lang="ko-KR" altLang="en-US" sz="1600" dirty="0"/>
+              <a:rPr lang="ko-KR" altLang="en-US" sz="1600"/>
               <a:t>부분이랑 오른쪽 영화 메뉴부분으로 나눴었고 </a:t>
             </a:r>
-            <a:endParaRPr lang="en-US" altLang="ko-KR" sz="1600" dirty="0"/>
-          </a:p>
-          <a:p>
-            <a:r>
-              <a:rPr lang="ko-KR" altLang="en-US" sz="1600" dirty="0"/>
+            <a:endParaRPr lang="ko-KR" altLang="en-US" sz="1600"/>
+          </a:p>
+          <a:p>
+            <a:pPr lvl="0">
+              <a:defRPr/>
+            </a:pPr>
+            <a:r>
+              <a:rPr lang="ko-KR" altLang="en-US" sz="1600"/>
               <a:t>왼쪽부분을 </a:t>
             </a:r>
             <a:r>
-              <a:rPr lang="en-US" altLang="ko-KR" sz="1600" dirty="0" err="1"/>
+              <a:rPr lang="en-US" altLang="ko-KR" sz="1600"/>
               <a:t>img</a:t>
             </a:r>
             <a:r>
-              <a:rPr lang="ko-KR" altLang="en-US" sz="1600" dirty="0"/>
+              <a:rPr lang="ko-KR" altLang="en-US" sz="1600"/>
               <a:t>태그로 오른쪽 부분을 </a:t>
             </a:r>
             <a:r>
-              <a:rPr lang="en-US" altLang="ko-KR" sz="1600" dirty="0"/>
+              <a:rPr lang="en-US" altLang="ko-KR" sz="1600"/>
               <a:t>ul&gt;li</a:t>
             </a:r>
             <a:r>
-              <a:rPr lang="ko-KR" altLang="en-US" sz="1600" dirty="0" err="1"/>
-              <a:t>를</a:t>
-            </a:r>
-            <a:r>
-              <a:rPr lang="ko-KR" altLang="en-US" sz="1600" dirty="0"/>
-              <a:t> 사용해서 각 항목별로 만들었습니다</a:t>
-            </a:r>
-            <a:r>
-              <a:rPr lang="en-US" altLang="ko-KR" sz="1600" dirty="0"/>
+              <a:rPr lang="ko-KR" altLang="en-US" sz="1600"/>
+              <a:t>를 사용해서 각 항목별로 만들었습니다</a:t>
+            </a:r>
+            <a:r>
+              <a:rPr lang="en-US" altLang="ko-KR" sz="1600"/>
               <a:t>.</a:t>
             </a:r>
             <a:r>
-              <a:rPr lang="ko-KR" altLang="en-US" sz="1600" dirty="0"/>
+              <a:rPr lang="ko-KR" altLang="en-US" sz="1600"/>
               <a:t> </a:t>
             </a:r>
-            <a:endParaRPr lang="en-US" altLang="ko-KR" sz="1600" dirty="0"/>
-          </a:p>
-          <a:p>
-            <a:endParaRPr lang="en-US" altLang="ko-KR" sz="1600" dirty="0"/>
-          </a:p>
-          <a:p>
-            <a:r>
-              <a:rPr lang="ko-KR" altLang="en-US" sz="1600" dirty="0"/>
+            <a:endParaRPr lang="ko-KR" altLang="en-US" sz="1600"/>
+          </a:p>
+          <a:p>
+            <a:pPr lvl="0">
+              <a:defRPr/>
+            </a:pPr>
+            <a:endParaRPr lang="en-US" altLang="ko-KR" sz="1600"/>
+          </a:p>
+          <a:p>
+            <a:pPr lvl="0">
+              <a:defRPr/>
+            </a:pPr>
+            <a:r>
+              <a:rPr lang="ko-KR" altLang="en-US" sz="1600"/>
               <a:t> 배너부분도 배너 위쪽 배너 메뉴를 왼쪽 오른쪽으로 나눴는데 </a:t>
             </a:r>
-            <a:endParaRPr lang="en-US" altLang="ko-KR" sz="1600" dirty="0"/>
-          </a:p>
-          <a:p>
-            <a:r>
-              <a:rPr lang="ko-KR" altLang="en-US" sz="1600" dirty="0"/>
+            <a:endParaRPr lang="ko-KR" altLang="en-US" sz="1600"/>
+          </a:p>
+          <a:p>
+            <a:pPr lvl="0">
+              <a:defRPr/>
+            </a:pPr>
+            <a:r>
+              <a:rPr lang="ko-KR" altLang="en-US" sz="1600"/>
               <a:t>왼쪽 부분을 전체메뉴로</a:t>
             </a:r>
             <a:r>
-              <a:rPr lang="en-US" altLang="ko-KR" sz="1600" dirty="0"/>
+              <a:rPr lang="en-US" altLang="ko-KR" sz="1600"/>
               <a:t> </a:t>
             </a:r>
             <a:r>
-              <a:rPr lang="ko-KR" altLang="en-US" sz="1600" dirty="0"/>
-              <a:t>필름 </a:t>
-            </a:r>
-            <a:r>
-              <a:rPr lang="ko-KR" altLang="en-US" sz="1600" dirty="0" err="1"/>
-              <a:t>소사이어티와</a:t>
-            </a:r>
-            <a:r>
-              <a:rPr lang="ko-KR" altLang="en-US" sz="1600" dirty="0"/>
-              <a:t> 클래식 </a:t>
-            </a:r>
-            <a:r>
-              <a:rPr lang="ko-KR" altLang="en-US" sz="1600" dirty="0" err="1"/>
-              <a:t>소사이어티를</a:t>
-            </a:r>
-            <a:r>
-              <a:rPr lang="ko-KR" altLang="en-US" sz="1600" dirty="0"/>
-              <a:t> 감싸게 만들었고</a:t>
-            </a:r>
-            <a:endParaRPr lang="en-US" altLang="ko-KR" sz="1600" dirty="0"/>
-          </a:p>
-          <a:p>
-            <a:r>
-              <a:rPr lang="ko-KR" altLang="en-US" sz="1600" dirty="0"/>
+              <a:rPr lang="ko-KR" altLang="en-US" sz="1600"/>
+              <a:t>필름 소사이어티와 클래식 소사이어티를 감싸게 만들었고</a:t>
+            </a:r>
+            <a:endParaRPr lang="ko-KR" altLang="en-US" sz="1600"/>
+          </a:p>
+          <a:p>
+            <a:pPr lvl="0">
+              <a:defRPr/>
+            </a:pPr>
+            <a:r>
+              <a:rPr lang="ko-KR" altLang="en-US" sz="1600"/>
               <a:t>오른쪽 부분을 상영시간표와 빠른 예매부분을 포함하게 만들었습니다</a:t>
             </a:r>
             <a:r>
-              <a:rPr lang="en-US" altLang="ko-KR" sz="1600" dirty="0"/>
+              <a:rPr lang="en-US" altLang="ko-KR" sz="1600"/>
               <a:t>. </a:t>
             </a:r>
             <a:r>
-              <a:rPr lang="ko-KR" altLang="en-US" sz="1600" dirty="0"/>
-              <a:t>그리고 중앙 </a:t>
-            </a:r>
-            <a:r>
-              <a:rPr lang="ko-KR" altLang="en-US" sz="1600" dirty="0" err="1"/>
-              <a:t>로우부분에</a:t>
-            </a:r>
-            <a:r>
-              <a:rPr lang="ko-KR" altLang="en-US" sz="1600" dirty="0"/>
-              <a:t> 마우스 드래그로 </a:t>
-            </a:r>
-            <a:endParaRPr lang="en-US" altLang="ko-KR" sz="1600" dirty="0"/>
-          </a:p>
-          <a:p>
-            <a:r>
-              <a:rPr lang="ko-KR" altLang="en-US" sz="1600" dirty="0"/>
-              <a:t>끌어 </a:t>
-            </a:r>
-            <a:r>
-              <a:rPr lang="ko-KR" altLang="en-US" sz="1600" dirty="0" err="1"/>
-              <a:t>당길수</a:t>
-            </a:r>
-            <a:r>
-              <a:rPr lang="ko-KR" altLang="en-US" sz="1600" dirty="0"/>
-              <a:t> 있게끔 </a:t>
-            </a:r>
-            <a:r>
-              <a:rPr lang="en-US" altLang="ko-KR" sz="1600" dirty="0"/>
+              <a:rPr lang="ko-KR" altLang="en-US" sz="1600"/>
+              <a:t>그리고 중앙 로우부분에 마우스 드래그로 </a:t>
+            </a:r>
+            <a:endParaRPr lang="ko-KR" altLang="en-US" sz="1600"/>
+          </a:p>
+          <a:p>
+            <a:pPr lvl="0">
+              <a:defRPr/>
+            </a:pPr>
+            <a:r>
+              <a:rPr lang="ko-KR" altLang="en-US" sz="1600"/>
+              <a:t>끌어 당길수 있게끔 </a:t>
+            </a:r>
+            <a:r>
+              <a:rPr lang="en-US" altLang="ko-KR" sz="1600"/>
               <a:t>swiper.js </a:t>
             </a:r>
             <a:r>
-              <a:rPr lang="ko-KR" altLang="en-US" sz="1600" dirty="0"/>
+              <a:rPr lang="ko-KR" altLang="en-US" sz="1600"/>
               <a:t>자바스크립트 코드를 사용해서 만들었습니다</a:t>
             </a:r>
             <a:r>
-              <a:rPr lang="en-US" altLang="ko-KR" sz="1600" dirty="0"/>
+              <a:rPr lang="en-US" altLang="ko-KR" sz="1600"/>
               <a:t>.</a:t>
             </a:r>
-            <a:endParaRPr lang="ko-KR" altLang="en-US" sz="1600" dirty="0"/>
+            <a:endParaRPr lang="ko-KR" altLang="en-US" sz="1600"/>
           </a:p>
         </p:txBody>
       </p:sp>
     </p:spTree>
-    <p:extLst>
-      <p:ext uri="{BB962C8B-B14F-4D97-AF65-F5344CB8AC3E}">
-        <p14:creationId xmlns:p14="http://schemas.microsoft.com/office/powerpoint/2010/main" val="4103143997"/>
-      </p:ext>
-    </p:extLst>
   </p:cSld>
   <p:clrMapOvr>
     <a:masterClrMapping/>
   </p:clrMapOvr>
+  <mc:AlternateContent xmlns:mc="http://schemas.openxmlformats.org/markup-compatibility/2006">
+    <mc:Choice xmlns:p14="http://schemas.microsoft.com/office/powerpoint/2010/main" Requires="p14">
+      <p:transition xmlns:mc="http://schemas.openxmlformats.org/markup-compatibility/2006" xmlns:p14="http://schemas.microsoft.com/office/powerpoint/2010/main" mc:Ignorable="p14" p14:dur="500"/>
+    </mc:Choice>
+    <mc:Fallback>
+      <p:transition/>
+    </mc:Fallback>
+  </mc:AlternateContent>
 </p:sld>
 </file>
 
 <file path=ppt/slides/slide3.xml><?xml version="1.0" encoding="utf-8"?>
-<p:sld xmlns:a="http://schemas.openxmlformats.org/drawingml/2006/main" xmlns:r="http://schemas.openxmlformats.org/officeDocument/2006/relationships" xmlns:p="http://schemas.openxmlformats.org/presentationml/2006/main">
+<p:sld xmlns:r="http://schemas.openxmlformats.org/officeDocument/2006/relationships" xmlns:c="http://schemas.openxmlformats.org/drawingml/2006/chart" xmlns:a="http://schemas.openxmlformats.org/drawingml/2006/main" xmlns:dgm="http://schemas.openxmlformats.org/drawingml/2006/diagram" xmlns:dsp="http://schemas.microsoft.com/office/drawing/2008/diagram" xmlns:p="http://schemas.openxmlformats.org/presentationml/2006/main">
   <p:cSld>
     <p:spTree>
       <p:nvGrpSpPr>
@@ -3716,13 +3701,7 @@
       </p:grpSpPr>
       <p:pic>
         <p:nvPicPr>
-          <p:cNvPr id="5" name="내용 개체 틀 4">
-            <a:extLst>
-              <a:ext uri="{FF2B5EF4-FFF2-40B4-BE49-F238E27FC236}">
-                <a16:creationId xmlns:a16="http://schemas.microsoft.com/office/drawing/2014/main" id="{3D743948-34CB-4F73-AF00-6C2D2E3E828F}"/>
-              </a:ext>
-            </a:extLst>
-          </p:cNvPr>
+          <p:cNvPr id="5" name="내용 개체 틀 4"/>
           <p:cNvPicPr>
             <a:picLocks noGrp="1" noChangeAspect="1"/>
           </p:cNvPicPr>
@@ -3730,14 +3709,8 @@
             <p:ph idx="1"/>
           </p:nvPr>
         </p:nvPicPr>
-        <p:blipFill>
-          <a:blip r:embed="rId2">
-            <a:extLst>
-              <a:ext uri="{28A0092B-C50C-407E-A947-70E740481C1C}">
-                <a14:useLocalDpi xmlns:a14="http://schemas.microsoft.com/office/drawing/2010/main" val="0"/>
-              </a:ext>
-            </a:extLst>
-          </a:blip>
+        <p:blipFill rotWithShape="1">
+          <a:blip r:embed="rId2"/>
           <a:stretch>
             <a:fillRect/>
           </a:stretch>
@@ -3751,18 +3724,12 @@
       </p:pic>
       <p:sp>
         <p:nvSpPr>
-          <p:cNvPr id="9" name="제목 1">
-            <a:extLst>
-              <a:ext uri="{FF2B5EF4-FFF2-40B4-BE49-F238E27FC236}">
-                <a16:creationId xmlns:a16="http://schemas.microsoft.com/office/drawing/2014/main" id="{83945C83-3C70-4681-BAF3-A308B7C5B32B}"/>
-              </a:ext>
-            </a:extLst>
-          </p:cNvPr>
-          <p:cNvSpPr>
-            <a:spLocks noGrp="1"/>
-          </p:cNvSpPr>
-          <p:nvPr>
-            <p:ph type="title"/>
+          <p:cNvPr id="9" name="제목 1"/>
+          <p:cNvSpPr>
+            <a:spLocks noGrp="1"/>
+          </p:cNvSpPr>
+          <p:nvPr>
+            <p:ph type="title" idx="0"/>
           </p:nvPr>
         </p:nvSpPr>
         <p:spPr>
@@ -3777,30 +3744,27 @@
           </a:bodyPr>
           <a:lstStyle/>
           <a:p>
-            <a:r>
-              <a:rPr lang="en-US" altLang="ko-KR" sz="2000" dirty="0" err="1"/>
+            <a:pPr lvl="0">
+              <a:defRPr/>
+            </a:pPr>
+            <a:r>
+              <a:rPr lang="en-US" altLang="ko-KR" sz="2000"/>
               <a:t>movie_section</a:t>
             </a:r>
-            <a:endParaRPr lang="ko-KR" altLang="en-US" sz="2000" dirty="0"/>
-          </a:p>
-        </p:txBody>
-      </p:sp>
-      <p:sp>
-        <p:nvSpPr>
-          <p:cNvPr id="12" name="TextBox 11">
-            <a:extLst>
-              <a:ext uri="{FF2B5EF4-FFF2-40B4-BE49-F238E27FC236}">
-                <a16:creationId xmlns:a16="http://schemas.microsoft.com/office/drawing/2014/main" id="{4E2D0150-940D-4D2F-BD5B-0AC272EF464D}"/>
-              </a:ext>
-            </a:extLst>
-          </p:cNvPr>
+            <a:endParaRPr lang="ko-KR" altLang="en-US" sz="2000"/>
+          </a:p>
+        </p:txBody>
+      </p:sp>
+      <p:sp>
+        <p:nvSpPr>
+          <p:cNvPr id="12" name="TextBox 11"/>
           <p:cNvSpPr txBox="1"/>
           <p:nvPr/>
         </p:nvSpPr>
         <p:spPr>
           <a:xfrm>
             <a:off x="820147" y="4912241"/>
-            <a:ext cx="8977138" cy="1323439"/>
+            <a:ext cx="8920118" cy="1553329"/>
           </a:xfrm>
           <a:prstGeom prst="rect">
             <a:avLst/>
@@ -3808,125 +3772,154 @@
           <a:noFill/>
         </p:spPr>
         <p:txBody>
-          <a:bodyPr wrap="none" rtlCol="0">
+          <a:bodyPr wrap="none">
             <a:spAutoFit/>
           </a:bodyPr>
           <a:lstStyle/>
           <a:p>
-            <a:r>
-              <a:rPr lang="ko-KR" altLang="en-US" sz="1600" dirty="0"/>
+            <a:pPr lvl="0">
+              <a:defRPr/>
+            </a:pPr>
+            <a:r>
+              <a:rPr lang="ko-KR" altLang="en-US" sz="1600"/>
+              <a:t>모바일로 볼 수 있게끔 반응형 작업을 완료했습니다</a:t>
+            </a:r>
+            <a:r>
+              <a:rPr lang="en-US" altLang="ko-KR" sz="1600"/>
+              <a:t>.</a:t>
+            </a:r>
+            <a:r>
+              <a:rPr lang="ko-KR" altLang="en-US" sz="1600"/>
+              <a:t> </a:t>
+            </a:r>
+            <a:endParaRPr lang="ko-KR" altLang="en-US" sz="1600"/>
+          </a:p>
+          <a:p>
+            <a:pPr lvl="0">
+              <a:defRPr/>
+            </a:pPr>
+            <a:r>
+              <a:rPr lang="ko-KR" altLang="en-US" sz="1600"/>
               <a:t>윗부분은 무비</a:t>
             </a:r>
             <a:r>
-              <a:rPr lang="en-US" altLang="ko-KR" sz="1600" dirty="0"/>
+              <a:rPr lang="en-US" altLang="ko-KR" sz="1600"/>
               <a:t>_</a:t>
             </a:r>
             <a:r>
-              <a:rPr lang="ko-KR" altLang="en-US" sz="1600" dirty="0"/>
+              <a:rPr lang="ko-KR" altLang="en-US" sz="1600"/>
               <a:t>타이틀과 밑부분이 무비</a:t>
             </a:r>
             <a:r>
-              <a:rPr lang="en-US" altLang="ko-KR" sz="1600" dirty="0"/>
+              <a:rPr lang="en-US" altLang="ko-KR" sz="1600"/>
               <a:t>_</a:t>
             </a:r>
             <a:r>
-              <a:rPr lang="ko-KR" altLang="en-US" sz="1600" dirty="0"/>
+              <a:rPr lang="ko-KR" altLang="en-US" sz="1600"/>
               <a:t>차트로 나누면서 작업을 했습니다</a:t>
             </a:r>
             <a:r>
-              <a:rPr lang="en-US" altLang="ko-KR" sz="1600" dirty="0"/>
+              <a:rPr lang="en-US" altLang="ko-KR" sz="1600"/>
               <a:t>.</a:t>
             </a:r>
-          </a:p>
-          <a:p>
-            <a:endParaRPr lang="en-US" altLang="ko-KR" sz="1600" dirty="0"/>
-          </a:p>
-          <a:p>
-            <a:r>
-              <a:rPr lang="ko-KR" altLang="en-US" sz="1600" dirty="0"/>
+            <a:endParaRPr lang="en-US" altLang="ko-KR" sz="1600"/>
+          </a:p>
+          <a:p>
+            <a:pPr lvl="0">
+              <a:defRPr/>
+            </a:pPr>
+            <a:endParaRPr lang="en-US" altLang="ko-KR" sz="1600"/>
+          </a:p>
+          <a:p>
+            <a:pPr lvl="0">
+              <a:defRPr/>
+            </a:pPr>
+            <a:r>
+              <a:rPr lang="ko-KR" altLang="en-US" sz="1600"/>
               <a:t>무비</a:t>
             </a:r>
             <a:r>
-              <a:rPr lang="en-US" altLang="ko-KR" sz="1600" dirty="0"/>
+              <a:rPr lang="en-US" altLang="ko-KR" sz="1600"/>
               <a:t>_</a:t>
             </a:r>
             <a:r>
-              <a:rPr lang="ko-KR" altLang="en-US" sz="1600" dirty="0"/>
+              <a:rPr lang="ko-KR" altLang="en-US" sz="1600"/>
               <a:t>타이틀은 </a:t>
             </a:r>
             <a:r>
-              <a:rPr lang="en-US" altLang="ko-KR" sz="1600" dirty="0"/>
+              <a:rPr lang="en-US" altLang="ko-KR" sz="1600"/>
               <a:t>4</a:t>
             </a:r>
             <a:r>
-              <a:rPr lang="ko-KR" altLang="en-US" sz="1600" dirty="0"/>
-              <a:t>개의 버튼을 클릭하면 </a:t>
-            </a:r>
-            <a:r>
-              <a:rPr lang="ko-KR" altLang="en-US" sz="1600" dirty="0" err="1"/>
-              <a:t>액티브한</a:t>
-            </a:r>
-            <a:r>
-              <a:rPr lang="ko-KR" altLang="en-US" sz="1600" dirty="0"/>
-              <a:t> 각 항목에 맞게 영화가 나오게 작업을 하였었고</a:t>
-            </a:r>
-            <a:endParaRPr lang="en-US" altLang="ko-KR" sz="1600" dirty="0"/>
-          </a:p>
-          <a:p>
-            <a:r>
-              <a:rPr lang="ko-KR" altLang="en-US" sz="1600" dirty="0"/>
+              <a:rPr lang="ko-KR" altLang="en-US" sz="1600"/>
+              <a:t>개의 버튼을 클릭하면 액티브한 각 항목에 맞게 영화가 나오게 작업을 하였었고</a:t>
+            </a:r>
+            <a:endParaRPr lang="ko-KR" altLang="en-US" sz="1600"/>
+          </a:p>
+          <a:p>
+            <a:pPr lvl="0">
+              <a:defRPr/>
+            </a:pPr>
+            <a:r>
+              <a:rPr lang="ko-KR" altLang="en-US" sz="1600"/>
               <a:t>무비</a:t>
             </a:r>
             <a:r>
-              <a:rPr lang="en-US" altLang="ko-KR" sz="1600" dirty="0"/>
+              <a:rPr lang="en-US" altLang="ko-KR" sz="1600"/>
               <a:t>_</a:t>
             </a:r>
             <a:r>
-              <a:rPr lang="ko-KR" altLang="en-US" sz="1600" dirty="0"/>
+              <a:rPr lang="ko-KR" altLang="en-US" sz="1600"/>
               <a:t>차트부분은 각 영화를 </a:t>
             </a:r>
             <a:r>
-              <a:rPr lang="en-US" altLang="ko-KR" sz="1600" dirty="0"/>
+              <a:rPr lang="en-US" altLang="ko-KR" sz="1600"/>
               <a:t>4</a:t>
             </a:r>
             <a:r>
-              <a:rPr lang="ko-KR" altLang="en-US" sz="1600" dirty="0"/>
+              <a:rPr lang="ko-KR" altLang="en-US" sz="1600"/>
               <a:t>개씩 보일 수 있도록 나누면서</a:t>
             </a:r>
-            <a:endParaRPr lang="en-US" altLang="ko-KR" sz="1600" dirty="0"/>
-          </a:p>
-          <a:p>
-            <a:r>
-              <a:rPr lang="en-US" altLang="ko-KR" sz="1600" dirty="0"/>
+            <a:endParaRPr lang="ko-KR" altLang="en-US" sz="1600"/>
+          </a:p>
+          <a:p>
+            <a:pPr lvl="0">
+              <a:defRPr/>
+            </a:pPr>
+            <a:r>
+              <a:rPr lang="en-US" altLang="ko-KR" sz="1600"/>
               <a:t>swiper.js</a:t>
             </a:r>
             <a:r>
-              <a:rPr lang="ko-KR" altLang="en-US" sz="1600" dirty="0"/>
+              <a:rPr lang="ko-KR" altLang="en-US" sz="1600"/>
               <a:t> 플러그인을 사용해서 마우스 드래그로 넘길 수 있게 작업했습니다</a:t>
             </a:r>
             <a:r>
-              <a:rPr lang="en-US" altLang="ko-KR" sz="1600" dirty="0"/>
+              <a:rPr lang="en-US" altLang="ko-KR" sz="1600"/>
               <a:t>.</a:t>
             </a:r>
-            <a:endParaRPr lang="ko-KR" altLang="en-US" sz="1600" dirty="0"/>
+            <a:endParaRPr lang="ko-KR" altLang="en-US" sz="1600"/>
           </a:p>
         </p:txBody>
       </p:sp>
     </p:spTree>
-    <p:extLst>
-      <p:ext uri="{BB962C8B-B14F-4D97-AF65-F5344CB8AC3E}">
-        <p14:creationId xmlns:p14="http://schemas.microsoft.com/office/powerpoint/2010/main" val="1110206035"/>
-      </p:ext>
-    </p:extLst>
   </p:cSld>
   <p:clrMapOvr>
     <a:masterClrMapping/>
   </p:clrMapOvr>
+  <mc:AlternateContent xmlns:mc="http://schemas.openxmlformats.org/markup-compatibility/2006">
+    <mc:Choice xmlns:p14="http://schemas.microsoft.com/office/powerpoint/2010/main" Requires="p14">
+      <p:transition xmlns:mc="http://schemas.openxmlformats.org/markup-compatibility/2006" xmlns:p14="http://schemas.microsoft.com/office/powerpoint/2010/main" mc:Ignorable="p14" p14:dur="500"/>
+    </mc:Choice>
+    <mc:Fallback>
+      <p:transition/>
+    </mc:Fallback>
+  </mc:AlternateContent>
 </p:sld>
 </file>
 
 <file path=ppt/slides/slide4.xml><?xml version="1.0" encoding="utf-8"?>
-<p:sld xmlns:a="http://schemas.openxmlformats.org/drawingml/2006/main" xmlns:r="http://schemas.openxmlformats.org/officeDocument/2006/relationships" xmlns:p="http://schemas.openxmlformats.org/presentationml/2006/main">
+<p:sld xmlns:r="http://schemas.openxmlformats.org/officeDocument/2006/relationships" xmlns:c="http://schemas.openxmlformats.org/drawingml/2006/chart" xmlns:a="http://schemas.openxmlformats.org/drawingml/2006/main" xmlns:dgm="http://schemas.openxmlformats.org/drawingml/2006/diagram" xmlns:dsp="http://schemas.microsoft.com/office/drawing/2008/diagram" xmlns:p="http://schemas.openxmlformats.org/presentationml/2006/main">
   <p:cSld>
     <p:spTree>
       <p:nvGrpSpPr>
@@ -3944,13 +3937,7 @@
       </p:grpSpPr>
       <p:pic>
         <p:nvPicPr>
-          <p:cNvPr id="5" name="내용 개체 틀 4">
-            <a:extLst>
-              <a:ext uri="{FF2B5EF4-FFF2-40B4-BE49-F238E27FC236}">
-                <a16:creationId xmlns:a16="http://schemas.microsoft.com/office/drawing/2014/main" id="{0163B4F5-C4AD-40D3-8909-ECBEFE428315}"/>
-              </a:ext>
-            </a:extLst>
-          </p:cNvPr>
+          <p:cNvPr id="5" name="내용 개체 틀 4"/>
           <p:cNvPicPr>
             <a:picLocks noGrp="1" noChangeAspect="1"/>
           </p:cNvPicPr>
@@ -3958,14 +3945,8 @@
             <p:ph idx="1"/>
           </p:nvPr>
         </p:nvPicPr>
-        <p:blipFill>
-          <a:blip r:embed="rId2">
-            <a:extLst>
-              <a:ext uri="{28A0092B-C50C-407E-A947-70E740481C1C}">
-                <a14:useLocalDpi xmlns:a14="http://schemas.microsoft.com/office/drawing/2010/main" val="0"/>
-              </a:ext>
-            </a:extLst>
-          </a:blip>
+        <p:blipFill rotWithShape="1">
+          <a:blip r:embed="rId2"/>
           <a:stretch>
             <a:fillRect/>
           </a:stretch>
@@ -3979,18 +3960,12 @@
       </p:pic>
       <p:sp>
         <p:nvSpPr>
-          <p:cNvPr id="6" name="제목 1">
-            <a:extLst>
-              <a:ext uri="{FF2B5EF4-FFF2-40B4-BE49-F238E27FC236}">
-                <a16:creationId xmlns:a16="http://schemas.microsoft.com/office/drawing/2014/main" id="{2905F1FA-619C-4560-929A-8DD8F26A11CF}"/>
-              </a:ext>
-            </a:extLst>
-          </p:cNvPr>
-          <p:cNvSpPr>
-            <a:spLocks noGrp="1"/>
-          </p:cNvSpPr>
-          <p:nvPr>
-            <p:ph type="title"/>
+          <p:cNvPr id="6" name="제목 1"/>
+          <p:cNvSpPr>
+            <a:spLocks noGrp="1"/>
+          </p:cNvSpPr>
+          <p:nvPr>
+            <p:ph type="title" idx="0"/>
           </p:nvPr>
         </p:nvSpPr>
         <p:spPr>
@@ -4005,30 +3980,27 @@
           </a:bodyPr>
           <a:lstStyle/>
           <a:p>
-            <a:r>
-              <a:rPr lang="en-US" altLang="ko-KR" sz="2000" dirty="0" err="1"/>
+            <a:pPr lvl="0">
+              <a:defRPr/>
+            </a:pPr>
+            <a:r>
+              <a:rPr lang="en-US" altLang="ko-KR" sz="2000"/>
               <a:t>event_section</a:t>
             </a:r>
-            <a:endParaRPr lang="ko-KR" altLang="en-US" sz="2000" dirty="0"/>
-          </a:p>
-        </p:txBody>
-      </p:sp>
-      <p:sp>
-        <p:nvSpPr>
-          <p:cNvPr id="7" name="TextBox 6">
-            <a:extLst>
-              <a:ext uri="{FF2B5EF4-FFF2-40B4-BE49-F238E27FC236}">
-                <a16:creationId xmlns:a16="http://schemas.microsoft.com/office/drawing/2014/main" id="{D65F7B2D-6C0C-4FB3-9A6B-CDE0AF0E99DE}"/>
-              </a:ext>
-            </a:extLst>
-          </p:cNvPr>
+            <a:endParaRPr lang="ko-KR" altLang="en-US" sz="2000"/>
+          </a:p>
+        </p:txBody>
+      </p:sp>
+      <p:sp>
+        <p:nvSpPr>
+          <p:cNvPr id="7" name="TextBox 6"/>
           <p:cNvSpPr txBox="1"/>
           <p:nvPr/>
         </p:nvSpPr>
         <p:spPr>
           <a:xfrm>
             <a:off x="901996" y="5095617"/>
-            <a:ext cx="9769021" cy="338554"/>
+            <a:ext cx="9752669" cy="569853"/>
           </a:xfrm>
           <a:prstGeom prst="rect">
             <a:avLst/>
@@ -4036,69 +4008,94 @@
           <a:noFill/>
         </p:spPr>
         <p:txBody>
-          <a:bodyPr wrap="none" rtlCol="0">
+          <a:bodyPr wrap="none">
             <a:spAutoFit/>
           </a:bodyPr>
           <a:lstStyle/>
           <a:p>
-            <a:r>
-              <a:rPr lang="ko-KR" altLang="en-US" sz="1600" dirty="0"/>
+            <a:pPr lvl="0">
+              <a:defRPr/>
+            </a:pPr>
+            <a:r>
+              <a:rPr lang="ko-KR" altLang="en-US" sz="1600"/>
+              <a:t>모바일로 볼 수 있게끔 반응형 작업을 완료했습니다</a:t>
+            </a:r>
+            <a:r>
+              <a:rPr lang="en-US" altLang="ko-KR" sz="1600"/>
+              <a:t>.</a:t>
+            </a:r>
+            <a:r>
+              <a:rPr lang="ko-KR" altLang="en-US" sz="1600"/>
+              <a:t> </a:t>
+            </a:r>
+            <a:endParaRPr lang="ko-KR" altLang="en-US" sz="1600"/>
+          </a:p>
+          <a:p>
+            <a:pPr lvl="0">
+              <a:defRPr/>
+            </a:pPr>
+            <a:r>
+              <a:rPr lang="ko-KR" altLang="en-US" sz="1600"/>
               <a:t>이벤트</a:t>
             </a:r>
             <a:r>
-              <a:rPr lang="en-US" altLang="ko-KR" sz="1600" dirty="0"/>
+              <a:rPr lang="en-US" altLang="ko-KR" sz="1600"/>
               <a:t>_</a:t>
             </a:r>
             <a:r>
-              <a:rPr lang="ko-KR" altLang="en-US" sz="1600" dirty="0"/>
+              <a:rPr lang="ko-KR" altLang="en-US" sz="1600"/>
               <a:t>왼쪽</a:t>
             </a:r>
             <a:r>
-              <a:rPr lang="en-US" altLang="ko-KR" sz="1600" dirty="0"/>
+              <a:rPr lang="en-US" altLang="ko-KR" sz="1600"/>
               <a:t>, </a:t>
             </a:r>
             <a:r>
-              <a:rPr lang="ko-KR" altLang="en-US" sz="1600" dirty="0"/>
+              <a:rPr lang="ko-KR" altLang="en-US" sz="1600"/>
               <a:t>오른쪽 부분으로 전체적으로 나누면서 왼쪽 슬라이더</a:t>
             </a:r>
             <a:r>
-              <a:rPr lang="en-US" altLang="ko-KR" sz="1600" dirty="0"/>
+              <a:rPr lang="en-US" altLang="ko-KR" sz="1600"/>
               <a:t>, </a:t>
             </a:r>
             <a:r>
-              <a:rPr lang="ko-KR" altLang="en-US" sz="1600" dirty="0"/>
+              <a:rPr lang="ko-KR" altLang="en-US" sz="1600"/>
               <a:t>박스</a:t>
             </a:r>
             <a:r>
-              <a:rPr lang="en-US" altLang="ko-KR" sz="1600" dirty="0"/>
+              <a:rPr lang="en-US" altLang="ko-KR" sz="1600"/>
               <a:t>1,2 </a:t>
             </a:r>
             <a:r>
-              <a:rPr lang="ko-KR" altLang="en-US" sz="1600" dirty="0"/>
+              <a:rPr lang="ko-KR" altLang="en-US" sz="1600"/>
               <a:t>오른쪽 박스로 만들었습니다</a:t>
             </a:r>
             <a:r>
-              <a:rPr lang="en-US" altLang="ko-KR" sz="1600" dirty="0"/>
+              <a:rPr lang="en-US" altLang="ko-KR" sz="1600"/>
               <a:t>.</a:t>
             </a:r>
+            <a:endParaRPr lang="en-US" altLang="ko-KR" sz="1600"/>
           </a:p>
         </p:txBody>
       </p:sp>
     </p:spTree>
-    <p:extLst>
-      <p:ext uri="{BB962C8B-B14F-4D97-AF65-F5344CB8AC3E}">
-        <p14:creationId xmlns:p14="http://schemas.microsoft.com/office/powerpoint/2010/main" val="1146809667"/>
-      </p:ext>
-    </p:extLst>
   </p:cSld>
   <p:clrMapOvr>
     <a:masterClrMapping/>
   </p:clrMapOvr>
+  <mc:AlternateContent xmlns:mc="http://schemas.openxmlformats.org/markup-compatibility/2006">
+    <mc:Choice xmlns:p14="http://schemas.microsoft.com/office/powerpoint/2010/main" Requires="p14">
+      <p:transition xmlns:mc="http://schemas.openxmlformats.org/markup-compatibility/2006" xmlns:p14="http://schemas.microsoft.com/office/powerpoint/2010/main" mc:Ignorable="p14" p14:dur="500"/>
+    </mc:Choice>
+    <mc:Fallback>
+      <p:transition/>
+    </mc:Fallback>
+  </mc:AlternateContent>
 </p:sld>
 </file>
 
 <file path=ppt/slides/slide5.xml><?xml version="1.0" encoding="utf-8"?>
-<p:sld xmlns:a="http://schemas.openxmlformats.org/drawingml/2006/main" xmlns:r="http://schemas.openxmlformats.org/officeDocument/2006/relationships" xmlns:p="http://schemas.openxmlformats.org/presentationml/2006/main">
+<p:sld xmlns:r="http://schemas.openxmlformats.org/officeDocument/2006/relationships" xmlns:c="http://schemas.openxmlformats.org/drawingml/2006/chart" xmlns:a="http://schemas.openxmlformats.org/drawingml/2006/main" xmlns:dgm="http://schemas.openxmlformats.org/drawingml/2006/diagram" xmlns:dsp="http://schemas.microsoft.com/office/drawing/2008/diagram" xmlns:p="http://schemas.openxmlformats.org/presentationml/2006/main">
   <p:cSld>
     <p:spTree>
       <p:nvGrpSpPr>
@@ -4116,13 +4113,7 @@
       </p:grpSpPr>
       <p:pic>
         <p:nvPicPr>
-          <p:cNvPr id="5" name="내용 개체 틀 4">
-            <a:extLst>
-              <a:ext uri="{FF2B5EF4-FFF2-40B4-BE49-F238E27FC236}">
-                <a16:creationId xmlns:a16="http://schemas.microsoft.com/office/drawing/2014/main" id="{3B1E9A06-819C-4808-8F40-04175328F1A0}"/>
-              </a:ext>
-            </a:extLst>
-          </p:cNvPr>
+          <p:cNvPr id="5" name="내용 개체 틀 4"/>
           <p:cNvPicPr>
             <a:picLocks noGrp="1" noChangeAspect="1"/>
           </p:cNvPicPr>
@@ -4130,14 +4121,8 @@
             <p:ph idx="1"/>
           </p:nvPr>
         </p:nvPicPr>
-        <p:blipFill>
-          <a:blip r:embed="rId2">
-            <a:extLst>
-              <a:ext uri="{28A0092B-C50C-407E-A947-70E740481C1C}">
-                <a14:useLocalDpi xmlns:a14="http://schemas.microsoft.com/office/drawing/2010/main" val="0"/>
-              </a:ext>
-            </a:extLst>
-          </a:blip>
+        <p:blipFill rotWithShape="1">
+          <a:blip r:embed="rId2"/>
           <a:stretch>
             <a:fillRect/>
           </a:stretch>
@@ -4151,18 +4136,12 @@
       </p:pic>
       <p:sp>
         <p:nvSpPr>
-          <p:cNvPr id="6" name="제목 1">
-            <a:extLst>
-              <a:ext uri="{FF2B5EF4-FFF2-40B4-BE49-F238E27FC236}">
-                <a16:creationId xmlns:a16="http://schemas.microsoft.com/office/drawing/2014/main" id="{B2399708-4C8A-4733-B509-0FE3336B2136}"/>
-              </a:ext>
-            </a:extLst>
-          </p:cNvPr>
-          <p:cNvSpPr>
-            <a:spLocks noGrp="1"/>
-          </p:cNvSpPr>
-          <p:nvPr>
-            <p:ph type="title"/>
+          <p:cNvPr id="6" name="제목 1"/>
+          <p:cNvSpPr>
+            <a:spLocks noGrp="1"/>
+          </p:cNvSpPr>
+          <p:nvPr>
+            <p:ph type="title" idx="0"/>
           </p:nvPr>
         </p:nvSpPr>
         <p:spPr>
@@ -4177,30 +4156,27 @@
           </a:bodyPr>
           <a:lstStyle/>
           <a:p>
-            <a:r>
-              <a:rPr lang="en-US" altLang="ko-KR" sz="2000" dirty="0" err="1"/>
+            <a:pPr lvl="0">
+              <a:defRPr/>
+            </a:pPr>
+            <a:r>
+              <a:rPr lang="en-US" altLang="ko-KR" sz="2000"/>
               <a:t>opening_section</a:t>
             </a:r>
-            <a:endParaRPr lang="ko-KR" altLang="en-US" sz="2000" dirty="0"/>
-          </a:p>
-        </p:txBody>
-      </p:sp>
-      <p:sp>
-        <p:nvSpPr>
-          <p:cNvPr id="7" name="TextBox 6">
-            <a:extLst>
-              <a:ext uri="{FF2B5EF4-FFF2-40B4-BE49-F238E27FC236}">
-                <a16:creationId xmlns:a16="http://schemas.microsoft.com/office/drawing/2014/main" id="{D21DEFAD-E7EE-4724-91C1-06AABC631D53}"/>
-              </a:ext>
-            </a:extLst>
-          </p:cNvPr>
+            <a:endParaRPr lang="ko-KR" altLang="en-US" sz="2000"/>
+          </a:p>
+        </p:txBody>
+      </p:sp>
+      <p:sp>
+        <p:nvSpPr>
+          <p:cNvPr id="7" name="TextBox 6"/>
           <p:cNvSpPr txBox="1"/>
           <p:nvPr/>
         </p:nvSpPr>
         <p:spPr>
           <a:xfrm>
             <a:off x="838200" y="4841338"/>
-            <a:ext cx="10184198" cy="584775"/>
+            <a:ext cx="10121265" cy="824132"/>
           </a:xfrm>
           <a:prstGeom prst="rect">
             <a:avLst/>
@@ -4208,69 +4184,96 @@
           <a:noFill/>
         </p:spPr>
         <p:txBody>
-          <a:bodyPr wrap="none" rtlCol="0">
+          <a:bodyPr wrap="none">
             <a:spAutoFit/>
           </a:bodyPr>
           <a:lstStyle/>
           <a:p>
-            <a:r>
-              <a:rPr lang="ko-KR" altLang="en-US" sz="1600" dirty="0"/>
+            <a:pPr lvl="0">
+              <a:defRPr/>
+            </a:pPr>
+            <a:r>
+              <a:rPr lang="ko-KR" altLang="en-US" sz="1600"/>
+              <a:t>모바일로 볼 수 있게끔 반응형 작업을 완료했습니다</a:t>
+            </a:r>
+            <a:r>
+              <a:rPr lang="en-US" altLang="ko-KR" sz="1600"/>
+              <a:t>.</a:t>
+            </a:r>
+            <a:r>
+              <a:rPr lang="ko-KR" altLang="en-US" sz="1600"/>
+              <a:t> </a:t>
+            </a:r>
+            <a:endParaRPr lang="ko-KR" altLang="en-US" sz="1600"/>
+          </a:p>
+          <a:p>
+            <a:pPr lvl="0">
+              <a:defRPr/>
+            </a:pPr>
+            <a:r>
+              <a:rPr lang="ko-KR" altLang="en-US" sz="1600"/>
               <a:t>전체 오프닝 클래스안에 그랜드 오프닝부분을 만들었고 연도 부분에 </a:t>
             </a:r>
             <a:r>
-              <a:rPr lang="en-US" altLang="ko-KR" sz="1600" dirty="0" err="1"/>
+              <a:rPr lang="en-US" altLang="ko-KR" sz="1600"/>
               <a:t>ir_pm</a:t>
             </a:r>
             <a:r>
-              <a:rPr lang="ko-KR" altLang="en-US" sz="1600" dirty="0"/>
+              <a:rPr lang="ko-KR" altLang="en-US" sz="1600"/>
               <a:t>을 주면서 대체 텍스트를 만들었고</a:t>
             </a:r>
-            <a:endParaRPr lang="en-US" altLang="ko-KR" sz="1600" dirty="0"/>
-          </a:p>
-          <a:p>
-            <a:r>
-              <a:rPr lang="ko-KR" altLang="en-US" sz="1600" dirty="0"/>
-              <a:t> 밑에 리뉴얼 오픈 부분을 오픈</a:t>
-            </a:r>
-            <a:r>
-              <a:rPr lang="en-US" altLang="ko-KR" sz="1600" dirty="0"/>
+            <a:endParaRPr lang="ko-KR" altLang="en-US" sz="1600"/>
+          </a:p>
+          <a:p>
+            <a:pPr lvl="0">
+              <a:defRPr/>
+            </a:pPr>
+            <a:r>
+              <a:rPr lang="ko-KR" altLang="en-US" sz="1600"/>
+              <a:t>밑에 리뉴얼 오픈 부분을 오픈</a:t>
+            </a:r>
+            <a:r>
+              <a:rPr lang="en-US" altLang="ko-KR" sz="1600"/>
               <a:t>_</a:t>
             </a:r>
             <a:r>
-              <a:rPr lang="ko-KR" altLang="en-US" sz="1600" dirty="0"/>
+              <a:rPr lang="ko-KR" altLang="en-US" sz="1600"/>
               <a:t>박스로 </a:t>
             </a:r>
             <a:r>
-              <a:rPr lang="en-US" altLang="ko-KR" sz="1600" dirty="0"/>
+              <a:rPr lang="en-US" altLang="ko-KR" sz="1600"/>
               <a:t>3</a:t>
             </a:r>
             <a:r>
-              <a:rPr lang="ko-KR" altLang="en-US" sz="1600" dirty="0"/>
+              <a:rPr lang="ko-KR" altLang="en-US" sz="1600"/>
               <a:t>개 만들었습니다</a:t>
             </a:r>
             <a:r>
-              <a:rPr lang="en-US" altLang="ko-KR" sz="1600" dirty="0"/>
+              <a:rPr lang="en-US" altLang="ko-KR" sz="1600"/>
               <a:t>. </a:t>
             </a:r>
-            <a:endParaRPr lang="ko-KR" altLang="en-US" sz="1600" dirty="0"/>
+            <a:endParaRPr lang="ko-KR" altLang="en-US" sz="1600"/>
           </a:p>
         </p:txBody>
       </p:sp>
     </p:spTree>
-    <p:extLst>
-      <p:ext uri="{BB962C8B-B14F-4D97-AF65-F5344CB8AC3E}">
-        <p14:creationId xmlns:p14="http://schemas.microsoft.com/office/powerpoint/2010/main" val="138021542"/>
-      </p:ext>
-    </p:extLst>
   </p:cSld>
   <p:clrMapOvr>
     <a:masterClrMapping/>
   </p:clrMapOvr>
+  <mc:AlternateContent xmlns:mc="http://schemas.openxmlformats.org/markup-compatibility/2006">
+    <mc:Choice xmlns:p14="http://schemas.microsoft.com/office/powerpoint/2010/main" Requires="p14">
+      <p:transition xmlns:mc="http://schemas.openxmlformats.org/markup-compatibility/2006" xmlns:p14="http://schemas.microsoft.com/office/powerpoint/2010/main" mc:Ignorable="p14" p14:dur="500"/>
+    </mc:Choice>
+    <mc:Fallback>
+      <p:transition/>
+    </mc:Fallback>
+  </mc:AlternateContent>
 </p:sld>
 </file>
 
 <file path=ppt/slides/slide6.xml><?xml version="1.0" encoding="utf-8"?>
-<p:sld xmlns:a="http://schemas.openxmlformats.org/drawingml/2006/main" xmlns:r="http://schemas.openxmlformats.org/officeDocument/2006/relationships" xmlns:p="http://schemas.openxmlformats.org/presentationml/2006/main">
+<p:sld xmlns:r="http://schemas.openxmlformats.org/officeDocument/2006/relationships" xmlns:c="http://schemas.openxmlformats.org/drawingml/2006/chart" xmlns:a="http://schemas.openxmlformats.org/drawingml/2006/main" xmlns:dgm="http://schemas.openxmlformats.org/drawingml/2006/diagram" xmlns:dsp="http://schemas.microsoft.com/office/drawing/2008/diagram" xmlns:p="http://schemas.openxmlformats.org/presentationml/2006/main">
   <p:cSld>
     <p:spTree>
       <p:nvGrpSpPr>
@@ -4288,13 +4291,7 @@
       </p:grpSpPr>
       <p:pic>
         <p:nvPicPr>
-          <p:cNvPr id="5" name="내용 개체 틀 4">
-            <a:extLst>
-              <a:ext uri="{FF2B5EF4-FFF2-40B4-BE49-F238E27FC236}">
-                <a16:creationId xmlns:a16="http://schemas.microsoft.com/office/drawing/2014/main" id="{547D7547-F500-44E6-BC20-2326A6B4C769}"/>
-              </a:ext>
-            </a:extLst>
-          </p:cNvPr>
+          <p:cNvPr id="5" name="내용 개체 틀 4"/>
           <p:cNvPicPr>
             <a:picLocks noGrp="1" noChangeAspect="1"/>
           </p:cNvPicPr>
@@ -4302,14 +4299,8 @@
             <p:ph idx="1"/>
           </p:nvPr>
         </p:nvPicPr>
-        <p:blipFill>
-          <a:blip r:embed="rId2">
-            <a:extLst>
-              <a:ext uri="{28A0092B-C50C-407E-A947-70E740481C1C}">
-                <a14:useLocalDpi xmlns:a14="http://schemas.microsoft.com/office/drawing/2010/main" val="0"/>
-              </a:ext>
-            </a:extLst>
-          </a:blip>
+        <p:blipFill rotWithShape="1">
+          <a:blip r:embed="rId2"/>
           <a:stretch>
             <a:fillRect/>
           </a:stretch>
@@ -4323,18 +4314,12 @@
       </p:pic>
       <p:sp>
         <p:nvSpPr>
-          <p:cNvPr id="6" name="제목 1">
-            <a:extLst>
-              <a:ext uri="{FF2B5EF4-FFF2-40B4-BE49-F238E27FC236}">
-                <a16:creationId xmlns:a16="http://schemas.microsoft.com/office/drawing/2014/main" id="{9F73A33F-7F80-4F84-9B3C-BE2301544B53}"/>
-              </a:ext>
-            </a:extLst>
-          </p:cNvPr>
-          <p:cNvSpPr>
-            <a:spLocks noGrp="1"/>
-          </p:cNvSpPr>
-          <p:nvPr>
-            <p:ph type="title"/>
+          <p:cNvPr id="6" name="제목 1"/>
+          <p:cNvSpPr>
+            <a:spLocks noGrp="1"/>
+          </p:cNvSpPr>
+          <p:nvPr>
+            <p:ph type="title" idx="0"/>
           </p:nvPr>
         </p:nvSpPr>
         <p:spPr>
@@ -4349,30 +4334,27 @@
           </a:bodyPr>
           <a:lstStyle/>
           <a:p>
-            <a:r>
-              <a:rPr lang="en-US" altLang="ko-KR" sz="2000" dirty="0" err="1"/>
+            <a:pPr lvl="0">
+              <a:defRPr/>
+            </a:pPr>
+            <a:r>
+              <a:rPr lang="en-US" altLang="ko-KR" sz="2000"/>
               <a:t>new_section</a:t>
             </a:r>
-            <a:endParaRPr lang="ko-KR" altLang="en-US" sz="2000" dirty="0"/>
-          </a:p>
-        </p:txBody>
-      </p:sp>
-      <p:sp>
-        <p:nvSpPr>
-          <p:cNvPr id="7" name="TextBox 6">
-            <a:extLst>
-              <a:ext uri="{FF2B5EF4-FFF2-40B4-BE49-F238E27FC236}">
-                <a16:creationId xmlns:a16="http://schemas.microsoft.com/office/drawing/2014/main" id="{F556FD93-80A1-4309-AD73-AF6A0269D720}"/>
-              </a:ext>
-            </a:extLst>
-          </p:cNvPr>
+            <a:endParaRPr lang="ko-KR" altLang="en-US" sz="2000"/>
+          </a:p>
+        </p:txBody>
+      </p:sp>
+      <p:sp>
+        <p:nvSpPr>
+          <p:cNvPr id="7" name="TextBox 6"/>
           <p:cNvSpPr txBox="1"/>
           <p:nvPr/>
         </p:nvSpPr>
         <p:spPr>
           <a:xfrm>
             <a:off x="901996" y="5095617"/>
-            <a:ext cx="8337539" cy="1077218"/>
+            <a:ext cx="8295344" cy="1303278"/>
           </a:xfrm>
           <a:prstGeom prst="rect">
             <a:avLst/>
@@ -4380,94 +4362,107 @@
           <a:noFill/>
         </p:spPr>
         <p:txBody>
-          <a:bodyPr wrap="none" rtlCol="0">
+          <a:bodyPr wrap="none">
             <a:spAutoFit/>
           </a:bodyPr>
           <a:lstStyle/>
           <a:p>
-            <a:r>
-              <a:rPr lang="ko-KR" altLang="en-US" sz="1600" dirty="0"/>
+            <a:pPr lvl="0">
+              <a:defRPr/>
+            </a:pPr>
+            <a:r>
+              <a:rPr lang="ko-KR" altLang="en-US" sz="1600"/>
+              <a:t>모바일로 볼 수 있게끔 반응형 작업을 완료했습니다</a:t>
+            </a:r>
+            <a:r>
+              <a:rPr lang="en-US" altLang="ko-KR" sz="1600"/>
+              <a:t>.</a:t>
+            </a:r>
+            <a:r>
+              <a:rPr lang="ko-KR" altLang="en-US" sz="1600"/>
+              <a:t> </a:t>
+            </a:r>
+            <a:endParaRPr lang="ko-KR" altLang="en-US" sz="1600"/>
+          </a:p>
+          <a:p>
+            <a:pPr lvl="0">
+              <a:defRPr/>
+            </a:pPr>
+            <a:r>
+              <a:rPr lang="ko-KR" altLang="en-US" sz="1600"/>
               <a:t>왼쪽 동영상부분 오른쪽 스토리 부분으로 나누면서 왼쪽부분에는 </a:t>
             </a:r>
             <a:r>
-              <a:rPr lang="en-US" altLang="ko-KR" sz="1600" dirty="0" err="1"/>
-              <a:t>svg</a:t>
-            </a:r>
-            <a:r>
-              <a:rPr lang="en-US" altLang="ko-KR" sz="1600" dirty="0"/>
-              <a:t> </a:t>
-            </a:r>
-            <a:r>
-              <a:rPr lang="ko-KR" altLang="en-US" sz="1600" dirty="0"/>
+              <a:rPr lang="en-US" altLang="ko-KR" sz="1600"/>
+              <a:t>svg </a:t>
+            </a:r>
+            <a:r>
+              <a:rPr lang="ko-KR" altLang="en-US" sz="1600"/>
               <a:t>코드를 사용해서 </a:t>
             </a:r>
-            <a:endParaRPr lang="en-US" altLang="ko-KR" sz="1600" dirty="0"/>
-          </a:p>
-          <a:p>
-            <a:r>
-              <a:rPr lang="en-US" altLang="ko-KR" sz="1600" dirty="0" err="1"/>
+            <a:endParaRPr lang="ko-KR" altLang="en-US" sz="1600"/>
+          </a:p>
+          <a:p>
+            <a:pPr lvl="0">
+              <a:defRPr/>
+            </a:pPr>
+            <a:r>
+              <a:rPr lang="en-US" altLang="ko-KR" sz="1600"/>
               <a:t>css</a:t>
             </a:r>
             <a:r>
-              <a:rPr lang="ko-KR" altLang="en-US" sz="1600" dirty="0"/>
+              <a:rPr lang="ko-KR" altLang="en-US" sz="1600"/>
               <a:t>로 재생부분에 색을 넣을 수 있게 만들었었고 오른쪽 부분에 텍스트 작업과 별 작업을</a:t>
             </a:r>
-            <a:endParaRPr lang="en-US" altLang="ko-KR" sz="1600" dirty="0"/>
-          </a:p>
-          <a:p>
-            <a:r>
-              <a:rPr lang="ko-KR" altLang="en-US" sz="1600" dirty="0"/>
-              <a:t>이미지 </a:t>
-            </a:r>
-            <a:r>
-              <a:rPr lang="ko-KR" altLang="en-US" sz="1600" dirty="0" err="1"/>
-              <a:t>스플라이트를</a:t>
-            </a:r>
-            <a:r>
-              <a:rPr lang="ko-KR" altLang="en-US" sz="1600" dirty="0"/>
-              <a:t> 사용해서 넣었습니다</a:t>
-            </a:r>
-            <a:r>
-              <a:rPr lang="en-US" altLang="ko-KR" sz="1600" dirty="0"/>
+            <a:endParaRPr lang="ko-KR" altLang="en-US" sz="1600"/>
+          </a:p>
+          <a:p>
+            <a:pPr lvl="0">
+              <a:defRPr/>
+            </a:pPr>
+            <a:r>
+              <a:rPr lang="ko-KR" altLang="en-US" sz="1600"/>
+              <a:t>이미지 스플라이트를 사용해서 넣었습니다</a:t>
+            </a:r>
+            <a:r>
+              <a:rPr lang="en-US" altLang="ko-KR" sz="1600"/>
               <a:t>. </a:t>
             </a:r>
             <a:r>
-              <a:rPr lang="ko-KR" altLang="en-US" sz="1600" dirty="0"/>
-              <a:t>밑부분 체크 박스 부분을 </a:t>
-            </a:r>
-            <a:r>
-              <a:rPr lang="ko-KR" altLang="en-US" sz="1600" dirty="0" err="1"/>
-              <a:t>셀렉트</a:t>
-            </a:r>
-            <a:r>
-              <a:rPr lang="ko-KR" altLang="en-US" sz="1600" dirty="0"/>
-              <a:t> 버튼과 버튼</a:t>
-            </a:r>
-            <a:endParaRPr lang="en-US" altLang="ko-KR" sz="1600" dirty="0"/>
-          </a:p>
-          <a:p>
-            <a:r>
-              <a:rPr lang="ko-KR" altLang="en-US" sz="1600" dirty="0"/>
+              <a:rPr lang="ko-KR" altLang="en-US" sz="1600"/>
+              <a:t>밑부분 체크 박스 부분을 셀렉트 버튼과 버튼</a:t>
+            </a:r>
+            <a:endParaRPr lang="ko-KR" altLang="en-US" sz="1600"/>
+          </a:p>
+          <a:p>
+            <a:pPr lvl="0">
+              <a:defRPr/>
+            </a:pPr>
+            <a:r>
+              <a:rPr lang="ko-KR" altLang="en-US" sz="1600"/>
               <a:t>부분으로 만들었습니다</a:t>
             </a:r>
             <a:r>
-              <a:rPr lang="en-US" altLang="ko-KR" sz="1600" dirty="0"/>
+              <a:rPr lang="en-US" altLang="ko-KR" sz="1600"/>
               <a:t>.</a:t>
             </a:r>
-            <a:endParaRPr lang="ko-KR" altLang="en-US" sz="1600" dirty="0"/>
+            <a:endParaRPr lang="ko-KR" altLang="en-US" sz="1600"/>
           </a:p>
         </p:txBody>
       </p:sp>
     </p:spTree>
-    <p:extLst>
-      <p:ext uri="{BB962C8B-B14F-4D97-AF65-F5344CB8AC3E}">
-        <p14:creationId xmlns:p14="http://schemas.microsoft.com/office/powerpoint/2010/main" val="958419193"/>
-      </p:ext>
-    </p:extLst>
   </p:cSld>
   <p:clrMapOvr>
     <a:masterClrMapping/>
   </p:clrMapOvr>
+  <mc:AlternateContent xmlns:mc="http://schemas.openxmlformats.org/markup-compatibility/2006">
+    <mc:Choice xmlns:p14="http://schemas.microsoft.com/office/powerpoint/2010/main" Requires="p14">
+      <p:transition xmlns:mc="http://schemas.openxmlformats.org/markup-compatibility/2006" xmlns:p14="http://schemas.microsoft.com/office/powerpoint/2010/main" mc:Ignorable="p14" p14:dur="500"/>
+    </mc:Choice>
+    <mc:Fallback>
+      <p:transition/>
+    </mc:Fallback>
+  </mc:AlternateContent>
 </p:sld>
 </file>
 
@@ -4506,7 +4501,7 @@
         </p:blipFill>
         <p:spPr>
           <a:xfrm>
-            <a:off x="1515263" y="644881"/>
+            <a:off x="1515263" y="231748"/>
             <a:ext cx="9161474" cy="4351338"/>
           </a:xfrm>
         </p:spPr>
@@ -4552,8 +4547,8 @@
         </p:nvSpPr>
         <p:spPr>
           <a:xfrm>
-            <a:off x="849676" y="5066927"/>
-            <a:ext cx="9302115" cy="1791073"/>
+            <a:off x="849675" y="4694947"/>
+            <a:ext cx="9302115" cy="2036818"/>
           </a:xfrm>
           <a:prstGeom prst="rect">
             <a:avLst/>
@@ -4565,6 +4560,24 @@
             <a:spAutoFit/>
           </a:bodyPr>
           <a:lstStyle/>
+          <a:p>
+            <a:pPr lvl="0">
+              <a:defRPr/>
+            </a:pPr>
+            <a:r>
+              <a:rPr lang="ko-KR" altLang="en-US" sz="1600"/>
+              <a:t>모바일로 볼 수 있게끔 반응형 작업을 완료했습니다</a:t>
+            </a:r>
+            <a:r>
+              <a:rPr lang="en-US" altLang="ko-KR" sz="1600"/>
+              <a:t>.</a:t>
+            </a:r>
+            <a:r>
+              <a:rPr lang="ko-KR" altLang="en-US" sz="1600"/>
+              <a:t> </a:t>
+            </a:r>
+            <a:endParaRPr lang="ko-KR" altLang="en-US" sz="1600"/>
+          </a:p>
           <a:p>
             <a:pPr lvl="0">
               <a:defRPr/>
